--- a/Documentation/520 Final Presentation.pptx
+++ b/Documentation/520 Final Presentation.pptx
@@ -20,23 +20,26 @@
     <p:sldId id="265" r:id="rId15"/>
     <p:sldId id="266" r:id="rId16"/>
     <p:sldId id="267" r:id="rId17"/>
+    <p:sldId id="268" r:id="rId18"/>
+    <p:sldId id="269" r:id="rId19"/>
+    <p:sldId id="270" r:id="rId20"/>
   </p:sldIdLst>
   <p:sldSz cy="5143500" cx="9144000"/>
   <p:notesSz cx="6858000" cy="9144000"/>
   <p:embeddedFontLst>
     <p:embeddedFont>
       <p:font typeface="Montserrat"/>
-      <p:regular r:id="rId18"/>
-      <p:bold r:id="rId19"/>
-      <p:italic r:id="rId20"/>
-      <p:boldItalic r:id="rId21"/>
+      <p:regular r:id="rId21"/>
+      <p:bold r:id="rId22"/>
+      <p:italic r:id="rId23"/>
+      <p:boldItalic r:id="rId24"/>
     </p:embeddedFont>
     <p:embeddedFont>
       <p:font typeface="Lato"/>
-      <p:regular r:id="rId22"/>
-      <p:bold r:id="rId23"/>
-      <p:italic r:id="rId24"/>
-      <p:boldItalic r:id="rId25"/>
+      <p:regular r:id="rId25"/>
+      <p:bold r:id="rId26"/>
+      <p:italic r:id="rId27"/>
+      <p:boldItalic r:id="rId28"/>
     </p:embeddedFont>
   </p:embeddedFontLst>
   <p:defaultTextStyle>
@@ -840,7 +843,7 @@
       </p:grpSpPr>
       <p:sp>
         <p:nvSpPr>
-          <p:cNvPr id="186" name="Google Shape;186;g17bff60a766_0_866:notes"/>
+          <p:cNvPr id="186" name="Google Shape;186;g17bff60a766_0_727:notes"/>
           <p:cNvSpPr/>
           <p:nvPr>
             <p:ph idx="2" type="sldImg"/>
@@ -875,7 +878,7 @@
       </p:sp>
       <p:sp>
         <p:nvSpPr>
-          <p:cNvPr id="187" name="Google Shape;187;g17bff60a766_0_866:notes"/>
+          <p:cNvPr id="187" name="Google Shape;187;g17bff60a766_0_727:notes"/>
           <p:cNvSpPr txBox="1"/>
           <p:nvPr>
             <p:ph idx="1" type="body"/>
@@ -939,7 +942,7 @@
       </p:grpSpPr>
       <p:sp>
         <p:nvSpPr>
-          <p:cNvPr id="192" name="Google Shape;192;g1baef3c1f46_4_11:notes"/>
+          <p:cNvPr id="192" name="Google Shape;192;g1bbbbab8754_0_15:notes"/>
           <p:cNvSpPr/>
           <p:nvPr>
             <p:ph idx="2" type="sldImg"/>
@@ -974,7 +977,7 @@
       </p:sp>
       <p:sp>
         <p:nvSpPr>
-          <p:cNvPr id="193" name="Google Shape;193;g1baef3c1f46_4_11:notes"/>
+          <p:cNvPr id="193" name="Google Shape;193;g1bbbbab8754_0_15:notes"/>
           <p:cNvSpPr txBox="1"/>
           <p:nvPr>
             <p:ph idx="1" type="body"/>
@@ -1038,7 +1041,7 @@
       </p:grpSpPr>
       <p:sp>
         <p:nvSpPr>
-          <p:cNvPr id="198" name="Google Shape;198;g17d7ccadb71_0_5:notes"/>
+          <p:cNvPr id="198" name="Google Shape;198;g17bff60a766_0_866:notes"/>
           <p:cNvSpPr/>
           <p:nvPr>
             <p:ph idx="2" type="sldImg"/>
@@ -1073,7 +1076,304 @@
       </p:sp>
       <p:sp>
         <p:nvSpPr>
-          <p:cNvPr id="199" name="Google Shape;199;g17d7ccadb71_0_5:notes"/>
+          <p:cNvPr id="199" name="Google Shape;199;g17bff60a766_0_866:notes"/>
+          <p:cNvSpPr txBox="1"/>
+          <p:nvPr>
+            <p:ph idx="1" type="body"/>
+          </p:nvPr>
+        </p:nvSpPr>
+        <p:spPr>
+          <a:xfrm>
+            <a:off x="685800" y="4343400"/>
+            <a:ext cx="5486400" cy="4114800"/>
+          </a:xfrm>
+          <a:prstGeom prst="rect">
+            <a:avLst/>
+          </a:prstGeom>
+        </p:spPr>
+        <p:txBody>
+          <a:bodyPr anchorCtr="0" anchor="t" bIns="91425" lIns="91425" spcFirstLastPara="1" rIns="91425" wrap="square" tIns="91425">
+            <a:noAutofit/>
+          </a:bodyPr>
+          <a:lstStyle/>
+          <a:p>
+            <a:pPr indent="0" lvl="0" marL="0" rtl="0" algn="l">
+              <a:spcBef>
+                <a:spcPts val="0"/>
+              </a:spcBef>
+              <a:spcAft>
+                <a:spcPts val="0"/>
+              </a:spcAft>
+              <a:buNone/>
+            </a:pPr>
+            <a:r>
+              <a:t/>
+            </a:r>
+            <a:endParaRPr/>
+          </a:p>
+        </p:txBody>
+      </p:sp>
+    </p:spTree>
+  </p:cSld>
+  <p:clrMapOvr>
+    <a:masterClrMapping/>
+  </p:clrMapOvr>
+</p:notes>
+</file>
+
+<file path=ppt/notesSlides/notesSlide13.xml><?xml version="1.0" encoding="utf-8"?>
+<p:notes xmlns:a="http://schemas.openxmlformats.org/drawingml/2006/main" xmlns:r="http://schemas.openxmlformats.org/officeDocument/2006/relationships" xmlns:mc="http://schemas.openxmlformats.org/markup-compatibility/2006" xmlns:mv="urn:schemas-microsoft-com:mac:vml" xmlns:p="http://schemas.openxmlformats.org/presentationml/2006/main" xmlns:c="http://schemas.openxmlformats.org/drawingml/2006/chart" xmlns:dgm="http://schemas.openxmlformats.org/drawingml/2006/diagram" xmlns:o="urn:schemas-microsoft-com:office:office" xmlns:v="urn:schemas-microsoft-com:vml" xmlns:pvml="urn:schemas-microsoft-com:office:powerpoint" xmlns:com="http://schemas.openxmlformats.org/drawingml/2006/compatibility" xmlns:p14="http://schemas.microsoft.com/office/powerpoint/2010/main" xmlns:p15="http://schemas.microsoft.com/office/powerpoint/2012/main" xmlns:ahyp="http://schemas.microsoft.com/office/drawing/2018/hyperlinkcolor" showMasterPhAnim="0" showMasterSp="0">
+  <p:cSld>
+    <p:spTree>
+      <p:nvGrpSpPr>
+        <p:cNvPr id="203" name="Shape 203"/>
+        <p:cNvGrpSpPr/>
+        <p:nvPr/>
+      </p:nvGrpSpPr>
+      <p:grpSpPr>
+        <a:xfrm>
+          <a:off x="0" y="0"/>
+          <a:ext cx="0" cy="0"/>
+          <a:chOff x="0" y="0"/>
+          <a:chExt cx="0" cy="0"/>
+        </a:xfrm>
+      </p:grpSpPr>
+      <p:sp>
+        <p:nvSpPr>
+          <p:cNvPr id="204" name="Google Shape;204;g1bbbbab8754_0_20:notes"/>
+          <p:cNvSpPr/>
+          <p:nvPr>
+            <p:ph idx="2" type="sldImg"/>
+          </p:nvPr>
+        </p:nvSpPr>
+        <p:spPr>
+          <a:xfrm>
+            <a:off x="381300" y="685800"/>
+            <a:ext cx="6096000" cy="3429000"/>
+          </a:xfrm>
+          <a:custGeom>
+            <a:rect b="b" l="l" r="r" t="t"/>
+            <a:pathLst>
+              <a:path extrusionOk="0" h="120000" w="120000">
+                <a:moveTo>
+                  <a:pt x="0" y="0"/>
+                </a:moveTo>
+                <a:lnTo>
+                  <a:pt x="120000" y="0"/>
+                </a:lnTo>
+                <a:lnTo>
+                  <a:pt x="120000" y="120000"/>
+                </a:lnTo>
+                <a:lnTo>
+                  <a:pt x="0" y="120000"/>
+                </a:lnTo>
+                <a:close/>
+              </a:path>
+            </a:pathLst>
+          </a:custGeom>
+        </p:spPr>
+      </p:sp>
+      <p:sp>
+        <p:nvSpPr>
+          <p:cNvPr id="205" name="Google Shape;205;g1bbbbab8754_0_20:notes"/>
+          <p:cNvSpPr txBox="1"/>
+          <p:nvPr>
+            <p:ph idx="1" type="body"/>
+          </p:nvPr>
+        </p:nvSpPr>
+        <p:spPr>
+          <a:xfrm>
+            <a:off x="685800" y="4343400"/>
+            <a:ext cx="5486400" cy="4114800"/>
+          </a:xfrm>
+          <a:prstGeom prst="rect">
+            <a:avLst/>
+          </a:prstGeom>
+        </p:spPr>
+        <p:txBody>
+          <a:bodyPr anchorCtr="0" anchor="t" bIns="91425" lIns="91425" spcFirstLastPara="1" rIns="91425" wrap="square" tIns="91425">
+            <a:noAutofit/>
+          </a:bodyPr>
+          <a:lstStyle/>
+          <a:p>
+            <a:pPr indent="0" lvl="0" marL="0" rtl="0" algn="l">
+              <a:spcBef>
+                <a:spcPts val="0"/>
+              </a:spcBef>
+              <a:spcAft>
+                <a:spcPts val="0"/>
+              </a:spcAft>
+              <a:buNone/>
+            </a:pPr>
+            <a:r>
+              <a:t/>
+            </a:r>
+            <a:endParaRPr/>
+          </a:p>
+        </p:txBody>
+      </p:sp>
+    </p:spTree>
+  </p:cSld>
+  <p:clrMapOvr>
+    <a:masterClrMapping/>
+  </p:clrMapOvr>
+</p:notes>
+</file>
+
+<file path=ppt/notesSlides/notesSlide14.xml><?xml version="1.0" encoding="utf-8"?>
+<p:notes xmlns:a="http://schemas.openxmlformats.org/drawingml/2006/main" xmlns:r="http://schemas.openxmlformats.org/officeDocument/2006/relationships" xmlns:mc="http://schemas.openxmlformats.org/markup-compatibility/2006" xmlns:mv="urn:schemas-microsoft-com:mac:vml" xmlns:p="http://schemas.openxmlformats.org/presentationml/2006/main" xmlns:c="http://schemas.openxmlformats.org/drawingml/2006/chart" xmlns:dgm="http://schemas.openxmlformats.org/drawingml/2006/diagram" xmlns:o="urn:schemas-microsoft-com:office:office" xmlns:v="urn:schemas-microsoft-com:vml" xmlns:pvml="urn:schemas-microsoft-com:office:powerpoint" xmlns:com="http://schemas.openxmlformats.org/drawingml/2006/compatibility" xmlns:p14="http://schemas.microsoft.com/office/powerpoint/2010/main" xmlns:p15="http://schemas.microsoft.com/office/powerpoint/2012/main" xmlns:ahyp="http://schemas.microsoft.com/office/drawing/2018/hyperlinkcolor" showMasterPhAnim="0" showMasterSp="0">
+  <p:cSld>
+    <p:spTree>
+      <p:nvGrpSpPr>
+        <p:cNvPr id="209" name="Shape 209"/>
+        <p:cNvGrpSpPr/>
+        <p:nvPr/>
+      </p:nvGrpSpPr>
+      <p:grpSpPr>
+        <a:xfrm>
+          <a:off x="0" y="0"/>
+          <a:ext cx="0" cy="0"/>
+          <a:chOff x="0" y="0"/>
+          <a:chExt cx="0" cy="0"/>
+        </a:xfrm>
+      </p:grpSpPr>
+      <p:sp>
+        <p:nvSpPr>
+          <p:cNvPr id="210" name="Google Shape;210;g1baef3c1f46_4_11:notes"/>
+          <p:cNvSpPr/>
+          <p:nvPr>
+            <p:ph idx="2" type="sldImg"/>
+          </p:nvPr>
+        </p:nvSpPr>
+        <p:spPr>
+          <a:xfrm>
+            <a:off x="381300" y="685800"/>
+            <a:ext cx="6096000" cy="3429000"/>
+          </a:xfrm>
+          <a:custGeom>
+            <a:rect b="b" l="l" r="r" t="t"/>
+            <a:pathLst>
+              <a:path extrusionOk="0" h="120000" w="120000">
+                <a:moveTo>
+                  <a:pt x="0" y="0"/>
+                </a:moveTo>
+                <a:lnTo>
+                  <a:pt x="120000" y="0"/>
+                </a:lnTo>
+                <a:lnTo>
+                  <a:pt x="120000" y="120000"/>
+                </a:lnTo>
+                <a:lnTo>
+                  <a:pt x="0" y="120000"/>
+                </a:lnTo>
+                <a:close/>
+              </a:path>
+            </a:pathLst>
+          </a:custGeom>
+        </p:spPr>
+      </p:sp>
+      <p:sp>
+        <p:nvSpPr>
+          <p:cNvPr id="211" name="Google Shape;211;g1baef3c1f46_4_11:notes"/>
+          <p:cNvSpPr txBox="1"/>
+          <p:nvPr>
+            <p:ph idx="1" type="body"/>
+          </p:nvPr>
+        </p:nvSpPr>
+        <p:spPr>
+          <a:xfrm>
+            <a:off x="685800" y="4343400"/>
+            <a:ext cx="5486400" cy="4114800"/>
+          </a:xfrm>
+          <a:prstGeom prst="rect">
+            <a:avLst/>
+          </a:prstGeom>
+        </p:spPr>
+        <p:txBody>
+          <a:bodyPr anchorCtr="0" anchor="t" bIns="91425" lIns="91425" spcFirstLastPara="1" rIns="91425" wrap="square" tIns="91425">
+            <a:noAutofit/>
+          </a:bodyPr>
+          <a:lstStyle/>
+          <a:p>
+            <a:pPr indent="0" lvl="0" marL="0" rtl="0" algn="l">
+              <a:spcBef>
+                <a:spcPts val="0"/>
+              </a:spcBef>
+              <a:spcAft>
+                <a:spcPts val="0"/>
+              </a:spcAft>
+              <a:buNone/>
+            </a:pPr>
+            <a:r>
+              <a:t/>
+            </a:r>
+            <a:endParaRPr/>
+          </a:p>
+        </p:txBody>
+      </p:sp>
+    </p:spTree>
+  </p:cSld>
+  <p:clrMapOvr>
+    <a:masterClrMapping/>
+  </p:clrMapOvr>
+</p:notes>
+</file>
+
+<file path=ppt/notesSlides/notesSlide15.xml><?xml version="1.0" encoding="utf-8"?>
+<p:notes xmlns:a="http://schemas.openxmlformats.org/drawingml/2006/main" xmlns:r="http://schemas.openxmlformats.org/officeDocument/2006/relationships" xmlns:mc="http://schemas.openxmlformats.org/markup-compatibility/2006" xmlns:mv="urn:schemas-microsoft-com:mac:vml" xmlns:p="http://schemas.openxmlformats.org/presentationml/2006/main" xmlns:c="http://schemas.openxmlformats.org/drawingml/2006/chart" xmlns:dgm="http://schemas.openxmlformats.org/drawingml/2006/diagram" xmlns:o="urn:schemas-microsoft-com:office:office" xmlns:v="urn:schemas-microsoft-com:vml" xmlns:pvml="urn:schemas-microsoft-com:office:powerpoint" xmlns:com="http://schemas.openxmlformats.org/drawingml/2006/compatibility" xmlns:p14="http://schemas.microsoft.com/office/powerpoint/2010/main" xmlns:p15="http://schemas.microsoft.com/office/powerpoint/2012/main" xmlns:ahyp="http://schemas.microsoft.com/office/drawing/2018/hyperlinkcolor" showMasterPhAnim="0" showMasterSp="0">
+  <p:cSld>
+    <p:spTree>
+      <p:nvGrpSpPr>
+        <p:cNvPr id="215" name="Shape 215"/>
+        <p:cNvGrpSpPr/>
+        <p:nvPr/>
+      </p:nvGrpSpPr>
+      <p:grpSpPr>
+        <a:xfrm>
+          <a:off x="0" y="0"/>
+          <a:ext cx="0" cy="0"/>
+          <a:chOff x="0" y="0"/>
+          <a:chExt cx="0" cy="0"/>
+        </a:xfrm>
+      </p:grpSpPr>
+      <p:sp>
+        <p:nvSpPr>
+          <p:cNvPr id="216" name="Google Shape;216;g17d7ccadb71_0_5:notes"/>
+          <p:cNvSpPr/>
+          <p:nvPr>
+            <p:ph idx="2" type="sldImg"/>
+          </p:nvPr>
+        </p:nvSpPr>
+        <p:spPr>
+          <a:xfrm>
+            <a:off x="381300" y="685800"/>
+            <a:ext cx="6096000" cy="3429000"/>
+          </a:xfrm>
+          <a:custGeom>
+            <a:rect b="b" l="l" r="r" t="t"/>
+            <a:pathLst>
+              <a:path extrusionOk="0" h="120000" w="120000">
+                <a:moveTo>
+                  <a:pt x="0" y="0"/>
+                </a:moveTo>
+                <a:lnTo>
+                  <a:pt x="120000" y="0"/>
+                </a:lnTo>
+                <a:lnTo>
+                  <a:pt x="120000" y="120000"/>
+                </a:lnTo>
+                <a:lnTo>
+                  <a:pt x="0" y="120000"/>
+                </a:lnTo>
+                <a:close/>
+              </a:path>
+            </a:pathLst>
+          </a:custGeom>
+        </p:spPr>
+      </p:sp>
+      <p:sp>
+        <p:nvSpPr>
+          <p:cNvPr id="217" name="Google Shape;217;g17d7ccadb71_0_5:notes"/>
           <p:cNvSpPr txBox="1"/>
           <p:nvPr>
             <p:ph idx="1" type="body"/>
@@ -1547,7 +1847,7 @@
       </p:grpSpPr>
       <p:sp>
         <p:nvSpPr>
-          <p:cNvPr id="161" name="Google Shape;161;g17bff60a766_0_871:notes"/>
+          <p:cNvPr id="161" name="Google Shape;161;g1bbbbab8754_0_5:notes"/>
           <p:cNvSpPr/>
           <p:nvPr>
             <p:ph idx="2" type="sldImg"/>
@@ -1582,7 +1882,7 @@
       </p:sp>
       <p:sp>
         <p:nvSpPr>
-          <p:cNvPr id="162" name="Google Shape;162;g17bff60a766_0_871:notes"/>
+          <p:cNvPr id="162" name="Google Shape;162;g1bbbbab8754_0_5:notes"/>
           <p:cNvSpPr txBox="1"/>
           <p:nvPr>
             <p:ph idx="1" type="body"/>
@@ -1647,7 +1947,7 @@
       </p:grpSpPr>
       <p:sp>
         <p:nvSpPr>
-          <p:cNvPr id="167" name="Google Shape;167;g1937c7b108e_0_0:notes"/>
+          <p:cNvPr id="167" name="Google Shape;167;g1bbbbab8754_0_10:notes"/>
           <p:cNvSpPr/>
           <p:nvPr>
             <p:ph idx="2" type="sldImg"/>
@@ -1682,7 +1982,7 @@
       </p:sp>
       <p:sp>
         <p:nvSpPr>
-          <p:cNvPr id="168" name="Google Shape;168;g1937c7b108e_0_0:notes"/>
+          <p:cNvPr id="168" name="Google Shape;168;g1bbbbab8754_0_10:notes"/>
           <p:cNvSpPr txBox="1"/>
           <p:nvPr>
             <p:ph idx="1" type="body"/>
@@ -1714,7 +2014,7 @@
             </a:pPr>
             <a:r>
               <a:rPr lang="en-GB"/>
-              <a:t>This represents the architecture of the project. Our project has a client server architecture in which the client is responsible for taking four inputs (source, destination, elevation preference of user and maximum percentage deviation from shortest path. Client will pass these inputs to the server which in turn will call MapProcessor module. Using these values MapProcess module will generate a graph around the geographical location of source and destination. It will also attach elevation values to each node. As graph generation is a costly operation, we will be caching all generated graphs. Now our serve will call PathFInder with the generated graph. PathFinder is basically an improvised version of standard Dijkstra or A* which will give the most optimal route  taking user’s elevation preference into consideration. PathFinder will return geneated_route, distance of the route and elevation gain back to server.Server will  return these parameters along with the generated map to the client. Client will be responsible for rendering the map on the UI and showing all the relevant informations like elevation gain etc to the user.</a:t>
+              <a:t>Here we have given a brief description of various components from our architecture.</a:t>
             </a:r>
             <a:endParaRPr/>
           </a:p>
@@ -1733,7 +2033,7 @@
   <p:cSld>
     <p:spTree>
       <p:nvGrpSpPr>
-        <p:cNvPr id="173" name="Shape 173"/>
+        <p:cNvPr id="172" name="Shape 172"/>
         <p:cNvGrpSpPr/>
         <p:nvPr/>
       </p:nvGrpSpPr>
@@ -1747,7 +2047,7 @@
       </p:grpSpPr>
       <p:sp>
         <p:nvSpPr>
-          <p:cNvPr id="174" name="Google Shape;174;g17bff60a766_0_861:notes"/>
+          <p:cNvPr id="173" name="Google Shape;173;g1937c7b108e_0_0:notes"/>
           <p:cNvSpPr/>
           <p:nvPr>
             <p:ph idx="2" type="sldImg"/>
@@ -1782,7 +2082,7 @@
       </p:sp>
       <p:sp>
         <p:nvSpPr>
-          <p:cNvPr id="175" name="Google Shape;175;g17bff60a766_0_861:notes"/>
+          <p:cNvPr id="174" name="Google Shape;174;g1937c7b108e_0_0:notes"/>
           <p:cNvSpPr txBox="1"/>
           <p:nvPr>
             <p:ph idx="1" type="body"/>
@@ -1813,32 +2113,7 @@
               <a:buNone/>
             </a:pPr>
             <a:r>
-              <a:rPr lang="en-GB"/>
-              <a:t>We will be using following tools and technology for our </a:t>
-            </a:r>
-            <a:r>
-              <a:rPr lang="en-GB"/>
-              <a:t>project</a:t>
-            </a:r>
-            <a:r>
-              <a:rPr lang="en-GB"/>
-              <a:t>. Our language of choice for this project is Python. We will be using Dijkstra or A* based path finding algorithm. We will be using Flask for our backend server. Osmnx for map generation , geopy for getting latitude and longitude of given source and </a:t>
-            </a:r>
-            <a:r>
-              <a:rPr lang="en-GB"/>
-              <a:t>destination</a:t>
-            </a:r>
-            <a:r>
-              <a:rPr lang="en-GB"/>
-              <a:t> and Google’s Eleveation APi to get elevation info. Out </a:t>
-            </a:r>
-            <a:r>
-              <a:rPr lang="en-GB"/>
-              <a:t>frontend</a:t>
-            </a:r>
-            <a:r>
-              <a:rPr lang="en-GB"/>
-              <a:t> would be either a react or HTML/ Javascript based application. We will be using pytest as our testing framework.</a:t>
+              <a:t/>
             </a:r>
             <a:endParaRPr/>
           </a:p>
@@ -1871,7 +2146,7 @@
       </p:grpSpPr>
       <p:sp>
         <p:nvSpPr>
-          <p:cNvPr id="180" name="Google Shape;180;g17bff60a766_0_727:notes"/>
+          <p:cNvPr id="180" name="Google Shape;180;g17bff60a766_0_861:notes"/>
           <p:cNvSpPr/>
           <p:nvPr>
             <p:ph idx="2" type="sldImg"/>
@@ -1906,7 +2181,7 @@
       </p:sp>
       <p:sp>
         <p:nvSpPr>
-          <p:cNvPr id="181" name="Google Shape;181;g17bff60a766_0_727:notes"/>
+          <p:cNvPr id="181" name="Google Shape;181;g17bff60a766_0_861:notes"/>
           <p:cNvSpPr txBox="1"/>
           <p:nvPr>
             <p:ph idx="1" type="body"/>
@@ -1937,7 +2212,32 @@
               <a:buNone/>
             </a:pPr>
             <a:r>
-              <a:t/>
+              <a:rPr lang="en-GB"/>
+              <a:t>We will be using following tools and technology for our </a:t>
+            </a:r>
+            <a:r>
+              <a:rPr lang="en-GB"/>
+              <a:t>project</a:t>
+            </a:r>
+            <a:r>
+              <a:rPr lang="en-GB"/>
+              <a:t>. Our language of choice for this project is Python. We will be using Dijkstra or A* based path finding algorithm. We will be using Flask for our backend server. Osmnx for map generation , geopy for getting latitude and longitude of given source and </a:t>
+            </a:r>
+            <a:r>
+              <a:rPr lang="en-GB"/>
+              <a:t>destination</a:t>
+            </a:r>
+            <a:r>
+              <a:rPr lang="en-GB"/>
+              <a:t> and Google’s Eleveation APi to get elevation info. Out </a:t>
+            </a:r>
+            <a:r>
+              <a:rPr lang="en-GB"/>
+              <a:t>frontend</a:t>
+            </a:r>
+            <a:r>
+              <a:rPr lang="en-GB"/>
+              <a:t> would be either a react or HTML/ Javascript based application. We will be using pytest as our testing framework.</a:t>
             </a:r>
             <a:endParaRPr/>
           </a:p>
@@ -10299,7 +10599,7 @@
         </p:nvSpPr>
         <p:spPr>
           <a:xfrm>
-            <a:off x="1297500" y="393750"/>
+            <a:off x="1052550" y="407900"/>
             <a:ext cx="7038900" cy="914100"/>
           </a:xfrm>
           <a:prstGeom prst="rect">
@@ -10323,7 +10623,7 @@
             </a:pPr>
             <a:r>
               <a:rPr lang="en-GB"/>
-              <a:t>Interesting Features of our Application</a:t>
+              <a:t>Testing</a:t>
             </a:r>
             <a:endParaRPr/>
           </a:p>
@@ -10339,8 +10639,8 @@
         </p:nvSpPr>
         <p:spPr>
           <a:xfrm>
-            <a:off x="1297500" y="1307850"/>
-            <a:ext cx="7038900" cy="2911200"/>
+            <a:off x="1007675" y="1124525"/>
+            <a:ext cx="8214000" cy="3694200"/>
           </a:xfrm>
           <a:prstGeom prst="rect">
             <a:avLst/>
@@ -10348,7 +10648,7 @@
         </p:spPr>
         <p:txBody>
           <a:bodyPr anchorCtr="0" anchor="t" bIns="91425" lIns="91425" spcFirstLastPara="1" rIns="91425" wrap="square" tIns="91425">
-            <a:normAutofit lnSpcReduction="10000"/>
+            <a:normAutofit/>
           </a:bodyPr>
           <a:lstStyle/>
           <a:p>
@@ -10364,22 +10664,97 @@
             </a:pPr>
             <a:r>
               <a:rPr lang="en-GB"/>
-              <a:t>We are calculating route using both algorithms, </a:t>
-            </a:r>
+              <a:t>Unit testing : </a:t>
+            </a:r>
+            <a:endParaRPr/>
+          </a:p>
+          <a:p>
+            <a:pPr indent="-298450" lvl="1" marL="914400" rtl="0" algn="l">
+              <a:spcBef>
+                <a:spcPts val="0"/>
+              </a:spcBef>
+              <a:spcAft>
+                <a:spcPts val="0"/>
+              </a:spcAft>
+              <a:buSzPts val="1100"/>
+              <a:buChar char="○"/>
+            </a:pPr>
             <a:r>
               <a:rPr lang="en-GB"/>
-              <a:t>Dijkstra</a:t>
-            </a:r>
+              <a:t>Test edge cases </a:t>
+            </a:r>
+            <a:endParaRPr/>
+          </a:p>
+          <a:p>
+            <a:pPr indent="-298450" lvl="1" marL="914400" rtl="0" algn="l">
+              <a:spcBef>
+                <a:spcPts val="0"/>
+              </a:spcBef>
+              <a:spcAft>
+                <a:spcPts val="0"/>
+              </a:spcAft>
+              <a:buSzPts val="1100"/>
+              <a:buChar char="○"/>
+            </a:pPr>
             <a:r>
               <a:rPr lang="en-GB"/>
-              <a:t> and A* and then our algorithm picker chooses the optimized route from the routes returned by the two algorithms.</a:t>
+              <a:t>Validation checks on different inputs.</a:t>
+            </a:r>
+            <a:endParaRPr/>
+          </a:p>
+          <a:p>
+            <a:pPr indent="-298450" lvl="1" marL="914400" rtl="0" algn="l">
+              <a:spcBef>
+                <a:spcPts val="0"/>
+              </a:spcBef>
+              <a:spcAft>
+                <a:spcPts val="0"/>
+              </a:spcAft>
+              <a:buSzPts val="1100"/>
+              <a:buChar char="○"/>
+            </a:pPr>
+            <a:r>
+              <a:rPr lang="en-GB"/>
+              <a:t>Tested PathFinder,  MapProcessor  and helper module individually.</a:t>
+            </a:r>
+            <a:endParaRPr/>
+          </a:p>
+          <a:p>
+            <a:pPr indent="-298450" lvl="1" marL="914400" rtl="0" algn="l">
+              <a:spcBef>
+                <a:spcPts val="0"/>
+              </a:spcBef>
+              <a:spcAft>
+                <a:spcPts val="0"/>
+              </a:spcAft>
+              <a:buSzPts val="1100"/>
+              <a:buChar char="○"/>
+            </a:pPr>
+            <a:r>
+              <a:rPr lang="en-GB"/>
+              <a:t>We have used PyTest as our testing tool </a:t>
+            </a:r>
+            <a:endParaRPr/>
+          </a:p>
+          <a:p>
+            <a:pPr indent="0" lvl="0" marL="914400" rtl="0" algn="l">
+              <a:spcBef>
+                <a:spcPts val="1200"/>
+              </a:spcBef>
+              <a:spcAft>
+                <a:spcPts val="0"/>
+              </a:spcAft>
+              <a:buNone/>
+            </a:pPr>
+            <a:r>
+              <a:t/>
             </a:r>
             <a:endParaRPr/>
           </a:p>
           <a:p>
             <a:pPr indent="-311150" lvl="0" marL="457200" rtl="0" algn="l">
               <a:spcBef>
-                <a:spcPts val="0"/>
+                <a:spcPts val="1200"/>
               </a:spcBef>
               <a:spcAft>
                 <a:spcPts val="0"/>
@@ -10389,14 +10764,79 @@
             </a:pPr>
             <a:r>
               <a:rPr lang="en-GB"/>
-              <a:t>We have also integrated Google’s Place Autocomplete API to facilitate adding source and destination for the user and produce correct results.</a:t>
+              <a:t>Manual Testing:</a:t>
+            </a:r>
+            <a:endParaRPr/>
+          </a:p>
+          <a:p>
+            <a:pPr indent="-298450" lvl="1" marL="914400" rtl="0" algn="l">
+              <a:spcBef>
+                <a:spcPts val="0"/>
+              </a:spcBef>
+              <a:spcAft>
+                <a:spcPts val="0"/>
+              </a:spcAft>
+              <a:buSzPts val="1100"/>
+              <a:buChar char="○"/>
+            </a:pPr>
+            <a:r>
+              <a:rPr lang="en-GB"/>
+              <a:t>We tested our server using Postman using different locations and </a:t>
+            </a:r>
+            <a:r>
+              <a:rPr lang="en-GB"/>
+              <a:t>scenarios</a:t>
+            </a:r>
+            <a:r>
+              <a:rPr lang="en-GB"/>
+              <a:t>.</a:t>
+            </a:r>
+            <a:endParaRPr/>
+          </a:p>
+          <a:p>
+            <a:pPr indent="-298450" lvl="1" marL="914400" rtl="0" algn="l">
+              <a:spcBef>
+                <a:spcPts val="0"/>
+              </a:spcBef>
+              <a:spcAft>
+                <a:spcPts val="0"/>
+              </a:spcAft>
+              <a:buSzPts val="1100"/>
+              <a:buChar char="○"/>
+            </a:pPr>
+            <a:r>
+              <a:rPr lang="en-GB"/>
+              <a:t>We tested </a:t>
+            </a:r>
+            <a:r>
+              <a:rPr lang="en-GB"/>
+              <a:t>edge</a:t>
+            </a:r>
+            <a:r>
+              <a:rPr lang="en-GB"/>
+              <a:t> cases and error situations manually as well.</a:t>
+            </a:r>
+            <a:endParaRPr/>
+          </a:p>
+          <a:p>
+            <a:pPr indent="0" lvl="0" marL="914400" rtl="0" algn="l">
+              <a:spcBef>
+                <a:spcPts val="1200"/>
+              </a:spcBef>
+              <a:spcAft>
+                <a:spcPts val="0"/>
+              </a:spcAft>
+              <a:buNone/>
+            </a:pPr>
+            <a:r>
+              <a:t/>
             </a:r>
             <a:endParaRPr/>
           </a:p>
           <a:p>
             <a:pPr indent="-311150" lvl="0" marL="457200" rtl="0" algn="l">
               <a:spcBef>
-                <a:spcPts val="0"/>
+                <a:spcPts val="1200"/>
               </a:spcBef>
               <a:spcAft>
                 <a:spcPts val="0"/>
@@ -10406,134 +10846,58 @@
             </a:pPr>
             <a:r>
               <a:rPr lang="en-GB"/>
-              <a:t>Our server is deployed on Heroku and frontend is deployed on Netlify for easier access. Apart from running our application on your local machine, you can also access our application here : </a:t>
-            </a:r>
-            <a:r>
-              <a:rPr lang="en-GB" u="sng">
-                <a:solidFill>
-                  <a:schemeClr val="hlink"/>
-                </a:solidFill>
-                <a:hlinkClick r:id="rId3"/>
-              </a:rPr>
-              <a:t>https://sensational-squirrel-4f30da.netlify.app/</a:t>
-            </a:r>
-            <a:r>
-              <a:rPr lang="en-GB"/>
-              <a:t> </a:t>
+              <a:t>Integration test: </a:t>
             </a:r>
             <a:endParaRPr/>
           </a:p>
           <a:p>
-            <a:pPr indent="-311150" lvl="0" marL="457200" rtl="0" algn="l">
-              <a:spcBef>
-                <a:spcPts val="0"/>
-              </a:spcBef>
-              <a:spcAft>
-                <a:spcPts val="0"/>
-              </a:spcAft>
-              <a:buSzPts val="1300"/>
-              <a:buChar char="●"/>
+            <a:pPr indent="-298450" lvl="1" marL="914400" rtl="0" algn="l">
+              <a:spcBef>
+                <a:spcPts val="0"/>
+              </a:spcBef>
+              <a:spcAft>
+                <a:spcPts val="0"/>
+              </a:spcAft>
+              <a:buSzPts val="1100"/>
+              <a:buChar char="○"/>
             </a:pPr>
             <a:r>
               <a:rPr lang="en-GB"/>
-              <a:t>We have also deployed our application’s detailed </a:t>
-            </a:r>
-            <a:r>
-              <a:rPr lang="en-GB"/>
-              <a:t>documentation</a:t>
-            </a:r>
-            <a:r>
-              <a:rPr lang="en-GB"/>
-              <a:t> here : </a:t>
-            </a:r>
-            <a:r>
-              <a:rPr lang="en-GB" u="sng">
-                <a:solidFill>
-                  <a:schemeClr val="hlink"/>
-                </a:solidFill>
-                <a:hlinkClick r:id="rId4"/>
-              </a:rPr>
-              <a:t>https://cute-donut-3ca29f.netlify.app/</a:t>
-            </a:r>
-            <a:r>
-              <a:rPr lang="en-GB"/>
-              <a:t> </a:t>
+              <a:t>End-to-end testing for all components together.</a:t>
             </a:r>
             <a:endParaRPr/>
           </a:p>
           <a:p>
-            <a:pPr indent="-311150" lvl="0" marL="457200" rtl="0" algn="l">
-              <a:spcBef>
-                <a:spcPts val="0"/>
-              </a:spcBef>
-              <a:spcAft>
-                <a:spcPts val="0"/>
-              </a:spcAft>
-              <a:buSzPts val="1300"/>
-              <a:buChar char="●"/>
+            <a:pPr indent="-298450" lvl="1" marL="914400" rtl="0" algn="l">
+              <a:spcBef>
+                <a:spcPts val="0"/>
+              </a:spcBef>
+              <a:spcAft>
+                <a:spcPts val="0"/>
+              </a:spcAft>
+              <a:buSzPts val="1100"/>
+              <a:buChar char="○"/>
             </a:pPr>
             <a:r>
               <a:rPr lang="en-GB"/>
-              <a:t>We </a:t>
-            </a:r>
-            <a:r>
-              <a:rPr lang="en-GB"/>
-              <a:t>have</a:t>
-            </a:r>
-            <a:r>
-              <a:rPr lang="en-GB"/>
-              <a:t> also provided a docker image for our application to make it machine independent and easier to set up.  You can access it here: </a:t>
-            </a:r>
-            <a:r>
-              <a:rPr lang="en-GB" u="sng">
-                <a:solidFill>
-                  <a:schemeClr val="hlink"/>
-                </a:solidFill>
-                <a:hlinkClick r:id="rId5"/>
-              </a:rPr>
-              <a:t>https://hub.docker.com/repository/docker/alokrkmv12/elena_server</a:t>
-            </a:r>
-            <a:r>
-              <a:rPr lang="en-GB"/>
-              <a:t> </a:t>
+              <a:t>Testing frontend and backend together with different scenarios and edge cases.</a:t>
             </a:r>
             <a:endParaRPr/>
           </a:p>
           <a:p>
-            <a:pPr indent="-311150" lvl="0" marL="457200" rtl="0" algn="l">
-              <a:spcBef>
-                <a:spcPts val="0"/>
-              </a:spcBef>
-              <a:spcAft>
-                <a:spcPts val="0"/>
-              </a:spcAft>
-              <a:buSzPts val="1300"/>
-              <a:buChar char="●"/>
+            <a:pPr indent="-298450" lvl="1" marL="914400" rtl="0" algn="l">
+              <a:spcBef>
+                <a:spcPts val="0"/>
+              </a:spcBef>
+              <a:spcAft>
+                <a:spcPts val="0"/>
+              </a:spcAft>
+              <a:buSzPts val="1100"/>
+              <a:buChar char="○"/>
             </a:pPr>
             <a:r>
               <a:rPr lang="en-GB"/>
-              <a:t>Our code </a:t>
-            </a:r>
-            <a:r>
-              <a:rPr lang="en-GB"/>
-              <a:t>repository</a:t>
-            </a:r>
-            <a:r>
-              <a:rPr lang="en-GB"/>
-              <a:t> : </a:t>
-            </a:r>
-            <a:r>
-              <a:rPr lang="en-GB" u="sng">
-                <a:solidFill>
-                  <a:schemeClr val="hlink"/>
-                </a:solidFill>
-                <a:hlinkClick r:id="rId6"/>
-              </a:rPr>
-              <a:t>https://github.com/alokrkmv/project_EleNA</a:t>
-            </a:r>
-            <a:r>
-              <a:rPr lang="en-GB"/>
-              <a:t> </a:t>
+              <a:t>We are using integration test suite runner of Postman to run our integration tests.</a:t>
             </a:r>
             <a:endParaRPr/>
           </a:p>
@@ -10574,7 +10938,7 @@
         </p:nvSpPr>
         <p:spPr>
           <a:xfrm>
-            <a:off x="1297500" y="393750"/>
+            <a:off x="1052550" y="407900"/>
             <a:ext cx="7038900" cy="914100"/>
           </a:xfrm>
           <a:prstGeom prst="rect">
@@ -10598,7 +10962,7 @@
             </a:pPr>
             <a:r>
               <a:rPr lang="en-GB"/>
-              <a:t>Member Contribution</a:t>
+              <a:t>Evaluation</a:t>
             </a:r>
             <a:endParaRPr/>
           </a:p>
@@ -10614,8 +10978,8 @@
         </p:nvSpPr>
         <p:spPr>
           <a:xfrm>
-            <a:off x="1297500" y="1567550"/>
-            <a:ext cx="7038900" cy="2911200"/>
+            <a:off x="779050" y="1410275"/>
+            <a:ext cx="8214000" cy="3694200"/>
           </a:xfrm>
           <a:prstGeom prst="rect">
             <a:avLst/>
@@ -10627,24 +10991,24 @@
           </a:bodyPr>
           <a:lstStyle/>
           <a:p>
-            <a:pPr indent="-298450" lvl="0" marL="457200" rtl="0" algn="l">
-              <a:spcBef>
-                <a:spcPts val="0"/>
-              </a:spcBef>
-              <a:spcAft>
-                <a:spcPts val="0"/>
-              </a:spcAft>
-              <a:buSzPts val="1100"/>
+            <a:pPr indent="-311150" lvl="0" marL="457200" rtl="0" algn="l">
+              <a:spcBef>
+                <a:spcPts val="0"/>
+              </a:spcBef>
+              <a:spcAft>
+                <a:spcPts val="0"/>
+              </a:spcAft>
+              <a:buSzPts val="1300"/>
               <a:buChar char="●"/>
             </a:pPr>
             <a:r>
-              <a:rPr lang="en-GB" sz="1100"/>
-              <a:t>Arpita Singh - Client</a:t>
-            </a:r>
-            <a:endParaRPr sz="1100"/>
+              <a:rPr lang="en-GB"/>
+              <a:t>Limitations</a:t>
+            </a:r>
+            <a:endParaRPr/>
           </a:p>
           <a:p>
-            <a:pPr indent="-298450" lvl="0" marL="457200" rtl="0" algn="l">
+            <a:pPr indent="-298450" lvl="1" marL="914400" rtl="0" algn="l">
               <a:spcBef>
                 <a:spcPts val="0"/>
               </a:spcBef>
@@ -10652,16 +11016,65 @@
                 <a:spcPts val="0"/>
               </a:spcAft>
               <a:buSzPts val="1100"/>
+              <a:buChar char="○"/>
+            </a:pPr>
+            <a:r>
+              <a:rPr lang="en-GB"/>
+              <a:t>Our map will only support sources and destinations lying within the same state.</a:t>
+            </a:r>
+            <a:endParaRPr/>
+          </a:p>
+          <a:p>
+            <a:pPr indent="-298450" lvl="1" marL="914400" rtl="0" algn="l">
+              <a:spcBef>
+                <a:spcPts val="0"/>
+              </a:spcBef>
+              <a:spcAft>
+                <a:spcPts val="0"/>
+              </a:spcAft>
+              <a:buSzPts val="1100"/>
+              <a:buChar char="○"/>
+            </a:pPr>
+            <a:r>
+              <a:rPr lang="en-GB"/>
+              <a:t>Map Generation generates only map of the state entered.</a:t>
+            </a:r>
+            <a:endParaRPr/>
+          </a:p>
+          <a:p>
+            <a:pPr indent="0" lvl="0" marL="914400" rtl="0" algn="l">
+              <a:spcBef>
+                <a:spcPts val="1200"/>
+              </a:spcBef>
+              <a:spcAft>
+                <a:spcPts val="0"/>
+              </a:spcAft>
+              <a:buNone/>
+            </a:pPr>
+            <a:r>
+              <a:t/>
+            </a:r>
+            <a:endParaRPr/>
+          </a:p>
+          <a:p>
+            <a:pPr indent="-311150" lvl="0" marL="457200" rtl="0" algn="l">
+              <a:spcBef>
+                <a:spcPts val="1200"/>
+              </a:spcBef>
+              <a:spcAft>
+                <a:spcPts val="0"/>
+              </a:spcAft>
+              <a:buSzPts val="1300"/>
               <a:buChar char="●"/>
             </a:pPr>
             <a:r>
-              <a:rPr lang="en-GB" sz="1100"/>
-              <a:t>Alok Kumar - Path Finding, Deployment</a:t>
-            </a:r>
-            <a:endParaRPr sz="1100"/>
+              <a:rPr lang="en-GB"/>
+              <a:t>Error Handling:</a:t>
+            </a:r>
+            <a:endParaRPr/>
           </a:p>
           <a:p>
-            <a:pPr indent="-298450" lvl="0" marL="457200" rtl="0" algn="l">
+            <a:pPr indent="-298450" lvl="1" marL="914400" rtl="0" algn="l">
               <a:spcBef>
                 <a:spcPts val="0"/>
               </a:spcBef>
@@ -10669,16 +11082,48 @@
                 <a:spcPts val="0"/>
               </a:spcAft>
               <a:buSzPts val="1100"/>
+              <a:buChar char="○"/>
+            </a:pPr>
+            <a:r>
+              <a:rPr lang="en-GB"/>
+              <a:t>Our client does not send a server request in case of wrong field entries and shows error messages  appropriately.</a:t>
+            </a:r>
+            <a:endParaRPr/>
+          </a:p>
+          <a:p>
+            <a:pPr indent="0" lvl="0" marL="914400" rtl="0" algn="l">
+              <a:spcBef>
+                <a:spcPts val="1200"/>
+              </a:spcBef>
+              <a:spcAft>
+                <a:spcPts val="0"/>
+              </a:spcAft>
+              <a:buNone/>
+            </a:pPr>
+            <a:r>
+              <a:t/>
+            </a:r>
+            <a:endParaRPr/>
+          </a:p>
+          <a:p>
+            <a:pPr indent="-311150" lvl="0" marL="457200" rtl="0" algn="l">
+              <a:spcBef>
+                <a:spcPts val="1200"/>
+              </a:spcBef>
+              <a:spcAft>
+                <a:spcPts val="0"/>
+              </a:spcAft>
+              <a:buSzPts val="1300"/>
               <a:buChar char="●"/>
             </a:pPr>
             <a:r>
-              <a:rPr lang="en-GB" sz="1100"/>
-              <a:t>Juie Jitendra Darwade - Map Generation </a:t>
-            </a:r>
-            <a:endParaRPr sz="1100"/>
+              <a:rPr lang="en-GB"/>
+              <a:t>UI studies:</a:t>
+            </a:r>
+            <a:endParaRPr/>
           </a:p>
           <a:p>
-            <a:pPr indent="-298450" lvl="0" marL="457200" rtl="0" algn="l">
+            <a:pPr indent="-298450" lvl="1" marL="914400" rtl="0" algn="l">
               <a:spcBef>
                 <a:spcPts val="0"/>
               </a:spcBef>
@@ -10686,43 +11131,11 @@
                 <a:spcPts val="0"/>
               </a:spcAft>
               <a:buSzPts val="1100"/>
-              <a:buChar char="●"/>
+              <a:buChar char="○"/>
             </a:pPr>
             <a:r>
-              <a:rPr lang="en-GB" sz="1100"/>
-              <a:t>Veda Sree Bojanapally - Backend Server and Integration</a:t>
-            </a:r>
-            <a:endParaRPr sz="1100"/>
-          </a:p>
-          <a:p>
-            <a:pPr indent="-298450" lvl="0" marL="457200" rtl="0" algn="l">
-              <a:spcBef>
-                <a:spcPts val="0"/>
-              </a:spcBef>
-              <a:spcAft>
-                <a:spcPts val="0"/>
-              </a:spcAft>
-              <a:buSzPts val="1100"/>
-              <a:buChar char="●"/>
-            </a:pPr>
-            <a:r>
-              <a:rPr lang="en-GB" sz="1100"/>
-              <a:t>Everyone - Testing, Evaluation , Presentation, Video and Documentation</a:t>
-            </a:r>
-            <a:endParaRPr sz="1100"/>
-          </a:p>
-          <a:p>
-            <a:pPr indent="0" lvl="0" marL="0" rtl="0" algn="l">
-              <a:spcBef>
-                <a:spcPts val="1200"/>
-              </a:spcBef>
-              <a:spcAft>
-                <a:spcPts val="1200"/>
-              </a:spcAft>
-              <a:buNone/>
-            </a:pPr>
-            <a:r>
-              <a:t/>
+              <a:rPr lang="en-GB"/>
+              <a:t>For UI testing, we made 2 frontends, and asked our peers to try our application and give feedback on the UI elements. We also asked them about our design choices and if they liked the way our UI looked. A friend of ours suggested the slider percentage changer which we changed after the feedback, it was a number field before. </a:t>
             </a:r>
             <a:endParaRPr/>
           </a:p>
@@ -10756,6 +11169,625 @@
       <p:sp>
         <p:nvSpPr>
           <p:cNvPr id="201" name="Google Shape;201;p24"/>
+          <p:cNvSpPr txBox="1"/>
+          <p:nvPr>
+            <p:ph type="title"/>
+          </p:nvPr>
+        </p:nvSpPr>
+        <p:spPr>
+          <a:xfrm>
+            <a:off x="1297500" y="393750"/>
+            <a:ext cx="7038900" cy="914100"/>
+          </a:xfrm>
+          <a:prstGeom prst="rect">
+            <a:avLst/>
+          </a:prstGeom>
+        </p:spPr>
+        <p:txBody>
+          <a:bodyPr anchorCtr="0" anchor="t" bIns="91425" lIns="91425" spcFirstLastPara="1" rIns="91425" wrap="square" tIns="91425">
+            <a:normAutofit/>
+          </a:bodyPr>
+          <a:lstStyle/>
+          <a:p>
+            <a:pPr indent="0" lvl="0" marL="0" rtl="0" algn="l">
+              <a:spcBef>
+                <a:spcPts val="0"/>
+              </a:spcBef>
+              <a:spcAft>
+                <a:spcPts val="0"/>
+              </a:spcAft>
+              <a:buNone/>
+            </a:pPr>
+            <a:r>
+              <a:rPr lang="en-GB"/>
+              <a:t>Interesting Features of our Application</a:t>
+            </a:r>
+            <a:endParaRPr/>
+          </a:p>
+        </p:txBody>
+      </p:sp>
+      <p:sp>
+        <p:nvSpPr>
+          <p:cNvPr id="202" name="Google Shape;202;p24"/>
+          <p:cNvSpPr txBox="1"/>
+          <p:nvPr>
+            <p:ph idx="1" type="body"/>
+          </p:nvPr>
+        </p:nvSpPr>
+        <p:spPr>
+          <a:xfrm>
+            <a:off x="1297500" y="1307850"/>
+            <a:ext cx="7038900" cy="2911200"/>
+          </a:xfrm>
+          <a:prstGeom prst="rect">
+            <a:avLst/>
+          </a:prstGeom>
+        </p:spPr>
+        <p:txBody>
+          <a:bodyPr anchorCtr="0" anchor="t" bIns="91425" lIns="91425" spcFirstLastPara="1" rIns="91425" wrap="square" tIns="91425">
+            <a:normAutofit lnSpcReduction="20000"/>
+          </a:bodyPr>
+          <a:lstStyle/>
+          <a:p>
+            <a:pPr indent="-311150" lvl="0" marL="457200" rtl="0" algn="l">
+              <a:spcBef>
+                <a:spcPts val="0"/>
+              </a:spcBef>
+              <a:spcAft>
+                <a:spcPts val="0"/>
+              </a:spcAft>
+              <a:buSzPts val="1300"/>
+              <a:buChar char="●"/>
+            </a:pPr>
+            <a:r>
+              <a:rPr lang="en-GB"/>
+              <a:t>We are calculating route using both algorithms, </a:t>
+            </a:r>
+            <a:r>
+              <a:rPr lang="en-GB"/>
+              <a:t>Dijkstra</a:t>
+            </a:r>
+            <a:r>
+              <a:rPr lang="en-GB"/>
+              <a:t> and A* and then our algorithm picker chooses the optimized route from the routes returned by the two algorithms.</a:t>
+            </a:r>
+            <a:endParaRPr/>
+          </a:p>
+          <a:p>
+            <a:pPr indent="0" lvl="0" marL="0" rtl="0" algn="l">
+              <a:spcBef>
+                <a:spcPts val="1200"/>
+              </a:spcBef>
+              <a:spcAft>
+                <a:spcPts val="0"/>
+              </a:spcAft>
+              <a:buNone/>
+            </a:pPr>
+            <a:r>
+              <a:t/>
+            </a:r>
+            <a:endParaRPr/>
+          </a:p>
+          <a:p>
+            <a:pPr indent="-311150" lvl="0" marL="457200" rtl="0" algn="l">
+              <a:spcBef>
+                <a:spcPts val="1200"/>
+              </a:spcBef>
+              <a:spcAft>
+                <a:spcPts val="0"/>
+              </a:spcAft>
+              <a:buSzPts val="1300"/>
+              <a:buChar char="●"/>
+            </a:pPr>
+            <a:r>
+              <a:rPr lang="en-GB"/>
+              <a:t>We have also integrated Google’s Place Autocomplete API to facilitate adding source and destination for the user and produce correct results.</a:t>
+            </a:r>
+            <a:endParaRPr/>
+          </a:p>
+          <a:p>
+            <a:pPr indent="0" lvl="0" marL="0" rtl="0" algn="l">
+              <a:spcBef>
+                <a:spcPts val="1200"/>
+              </a:spcBef>
+              <a:spcAft>
+                <a:spcPts val="0"/>
+              </a:spcAft>
+              <a:buNone/>
+            </a:pPr>
+            <a:r>
+              <a:t/>
+            </a:r>
+            <a:endParaRPr/>
+          </a:p>
+          <a:p>
+            <a:pPr indent="-311150" lvl="0" marL="457200" rtl="0" algn="l">
+              <a:spcBef>
+                <a:spcPts val="1200"/>
+              </a:spcBef>
+              <a:spcAft>
+                <a:spcPts val="0"/>
+              </a:spcAft>
+              <a:buSzPts val="1300"/>
+              <a:buChar char="●"/>
+            </a:pPr>
+            <a:r>
+              <a:rPr lang="en-GB"/>
+              <a:t>Our server is deployed on Heroku and frontend is deployed on Netlify for easier access. Apart from running our application on your local machine, you can also access our application here : </a:t>
+            </a:r>
+            <a:r>
+              <a:rPr lang="en-GB" u="sng">
+                <a:solidFill>
+                  <a:schemeClr val="hlink"/>
+                </a:solidFill>
+                <a:hlinkClick r:id="rId3"/>
+              </a:rPr>
+              <a:t>https://sensational-squirrel-4f30da.netlify.app/</a:t>
+            </a:r>
+            <a:r>
+              <a:rPr lang="en-GB"/>
+              <a:t> </a:t>
+            </a:r>
+            <a:endParaRPr/>
+          </a:p>
+          <a:p>
+            <a:pPr indent="0" lvl="0" marL="0" rtl="0" algn="l">
+              <a:spcBef>
+                <a:spcPts val="1200"/>
+              </a:spcBef>
+              <a:spcAft>
+                <a:spcPts val="1200"/>
+              </a:spcAft>
+              <a:buNone/>
+            </a:pPr>
+            <a:r>
+              <a:t/>
+            </a:r>
+            <a:endParaRPr/>
+          </a:p>
+        </p:txBody>
+      </p:sp>
+    </p:spTree>
+  </p:cSld>
+  <p:clrMapOvr>
+    <a:masterClrMapping/>
+  </p:clrMapOvr>
+</p:sld>
+</file>
+
+<file path=ppt/slides/slide13.xml><?xml version="1.0" encoding="utf-8"?>
+<p:sld xmlns:a="http://schemas.openxmlformats.org/drawingml/2006/main" xmlns:r="http://schemas.openxmlformats.org/officeDocument/2006/relationships" xmlns:mc="http://schemas.openxmlformats.org/markup-compatibility/2006" xmlns:mv="urn:schemas-microsoft-com:mac:vml" xmlns:p="http://schemas.openxmlformats.org/presentationml/2006/main" xmlns:c="http://schemas.openxmlformats.org/drawingml/2006/chart" xmlns:dgm="http://schemas.openxmlformats.org/drawingml/2006/diagram" xmlns:o="urn:schemas-microsoft-com:office:office" xmlns:v="urn:schemas-microsoft-com:vml" xmlns:pvml="urn:schemas-microsoft-com:office:powerpoint" xmlns:com="http://schemas.openxmlformats.org/drawingml/2006/compatibility" xmlns:p14="http://schemas.microsoft.com/office/powerpoint/2010/main" xmlns:p15="http://schemas.microsoft.com/office/powerpoint/2012/main" xmlns:ahyp="http://schemas.microsoft.com/office/drawing/2018/hyperlinkcolor">
+  <p:cSld>
+    <p:spTree>
+      <p:nvGrpSpPr>
+        <p:cNvPr id="206" name="Shape 206"/>
+        <p:cNvGrpSpPr/>
+        <p:nvPr/>
+      </p:nvGrpSpPr>
+      <p:grpSpPr>
+        <a:xfrm>
+          <a:off x="0" y="0"/>
+          <a:ext cx="0" cy="0"/>
+          <a:chOff x="0" y="0"/>
+          <a:chExt cx="0" cy="0"/>
+        </a:xfrm>
+      </p:grpSpPr>
+      <p:sp>
+        <p:nvSpPr>
+          <p:cNvPr id="207" name="Google Shape;207;p25"/>
+          <p:cNvSpPr txBox="1"/>
+          <p:nvPr>
+            <p:ph type="title"/>
+          </p:nvPr>
+        </p:nvSpPr>
+        <p:spPr>
+          <a:xfrm>
+            <a:off x="1297500" y="393750"/>
+            <a:ext cx="7038900" cy="914100"/>
+          </a:xfrm>
+          <a:prstGeom prst="rect">
+            <a:avLst/>
+          </a:prstGeom>
+        </p:spPr>
+        <p:txBody>
+          <a:bodyPr anchorCtr="0" anchor="t" bIns="91425" lIns="91425" spcFirstLastPara="1" rIns="91425" wrap="square" tIns="91425">
+            <a:normAutofit/>
+          </a:bodyPr>
+          <a:lstStyle/>
+          <a:p>
+            <a:pPr indent="0" lvl="0" marL="0" rtl="0" algn="l">
+              <a:spcBef>
+                <a:spcPts val="0"/>
+              </a:spcBef>
+              <a:spcAft>
+                <a:spcPts val="0"/>
+              </a:spcAft>
+              <a:buNone/>
+            </a:pPr>
+            <a:r>
+              <a:rPr lang="en-GB"/>
+              <a:t>Interesting Features of our Application</a:t>
+            </a:r>
+            <a:endParaRPr/>
+          </a:p>
+        </p:txBody>
+      </p:sp>
+      <p:sp>
+        <p:nvSpPr>
+          <p:cNvPr id="208" name="Google Shape;208;p25"/>
+          <p:cNvSpPr txBox="1"/>
+          <p:nvPr>
+            <p:ph idx="1" type="body"/>
+          </p:nvPr>
+        </p:nvSpPr>
+        <p:spPr>
+          <a:xfrm>
+            <a:off x="1297500" y="1307850"/>
+            <a:ext cx="7038900" cy="2911200"/>
+          </a:xfrm>
+          <a:prstGeom prst="rect">
+            <a:avLst/>
+          </a:prstGeom>
+        </p:spPr>
+        <p:txBody>
+          <a:bodyPr anchorCtr="0" anchor="t" bIns="91425" lIns="91425" spcFirstLastPara="1" rIns="91425" wrap="square" tIns="91425">
+            <a:normAutofit lnSpcReduction="10000"/>
+          </a:bodyPr>
+          <a:lstStyle/>
+          <a:p>
+            <a:pPr indent="0" lvl="0" marL="457200" rtl="0" algn="l">
+              <a:spcBef>
+                <a:spcPts val="0"/>
+              </a:spcBef>
+              <a:spcAft>
+                <a:spcPts val="0"/>
+              </a:spcAft>
+              <a:buNone/>
+            </a:pPr>
+            <a:r>
+              <a:t/>
+            </a:r>
+            <a:endParaRPr/>
+          </a:p>
+          <a:p>
+            <a:pPr indent="-311150" lvl="0" marL="457200" rtl="0" algn="l">
+              <a:spcBef>
+                <a:spcPts val="1200"/>
+              </a:spcBef>
+              <a:spcAft>
+                <a:spcPts val="0"/>
+              </a:spcAft>
+              <a:buSzPts val="1300"/>
+              <a:buChar char="●"/>
+            </a:pPr>
+            <a:r>
+              <a:rPr lang="en-GB"/>
+              <a:t>We have also deployed our application’s detailed documentation here : </a:t>
+            </a:r>
+            <a:r>
+              <a:rPr lang="en-GB" u="sng">
+                <a:solidFill>
+                  <a:schemeClr val="hlink"/>
+                </a:solidFill>
+                <a:hlinkClick r:id="rId3"/>
+              </a:rPr>
+              <a:t>https://cute-donut-3ca29f.netlify.app/</a:t>
+            </a:r>
+            <a:r>
+              <a:rPr lang="en-GB"/>
+              <a:t> </a:t>
+            </a:r>
+            <a:endParaRPr/>
+          </a:p>
+          <a:p>
+            <a:pPr indent="0" lvl="0" marL="457200" rtl="0" algn="l">
+              <a:spcBef>
+                <a:spcPts val="1200"/>
+              </a:spcBef>
+              <a:spcAft>
+                <a:spcPts val="0"/>
+              </a:spcAft>
+              <a:buNone/>
+            </a:pPr>
+            <a:r>
+              <a:t/>
+            </a:r>
+            <a:endParaRPr/>
+          </a:p>
+          <a:p>
+            <a:pPr indent="-311150" lvl="0" marL="457200" rtl="0" algn="l">
+              <a:spcBef>
+                <a:spcPts val="1200"/>
+              </a:spcBef>
+              <a:spcAft>
+                <a:spcPts val="0"/>
+              </a:spcAft>
+              <a:buSzPts val="1300"/>
+              <a:buChar char="●"/>
+            </a:pPr>
+            <a:r>
+              <a:rPr lang="en-GB"/>
+              <a:t>We have also provided a docker image for our application to make it machine independent and easier to set up.  You can access it here: </a:t>
+            </a:r>
+            <a:r>
+              <a:rPr lang="en-GB" u="sng">
+                <a:solidFill>
+                  <a:schemeClr val="hlink"/>
+                </a:solidFill>
+                <a:hlinkClick r:id="rId4"/>
+              </a:rPr>
+              <a:t>https://hub.docker.com/repository/docker/alokrkmv12/elena_server</a:t>
+            </a:r>
+            <a:r>
+              <a:rPr lang="en-GB"/>
+              <a:t> </a:t>
+            </a:r>
+            <a:endParaRPr/>
+          </a:p>
+          <a:p>
+            <a:pPr indent="0" lvl="0" marL="457200" rtl="0" algn="l">
+              <a:spcBef>
+                <a:spcPts val="1200"/>
+              </a:spcBef>
+              <a:spcAft>
+                <a:spcPts val="0"/>
+              </a:spcAft>
+              <a:buNone/>
+            </a:pPr>
+            <a:r>
+              <a:t/>
+            </a:r>
+            <a:endParaRPr/>
+          </a:p>
+          <a:p>
+            <a:pPr indent="-311150" lvl="0" marL="457200" rtl="0" algn="l">
+              <a:spcBef>
+                <a:spcPts val="1200"/>
+              </a:spcBef>
+              <a:spcAft>
+                <a:spcPts val="0"/>
+              </a:spcAft>
+              <a:buSzPts val="1300"/>
+              <a:buChar char="●"/>
+            </a:pPr>
+            <a:r>
+              <a:rPr lang="en-GB"/>
+              <a:t>Our code is open source repository : </a:t>
+            </a:r>
+            <a:r>
+              <a:rPr lang="en-GB" u="sng">
+                <a:solidFill>
+                  <a:schemeClr val="hlink"/>
+                </a:solidFill>
+                <a:hlinkClick r:id="rId5"/>
+              </a:rPr>
+              <a:t>https://github.com/alokrkmv/project_EleNA</a:t>
+            </a:r>
+            <a:r>
+              <a:rPr lang="en-GB"/>
+              <a:t> </a:t>
+            </a:r>
+            <a:endParaRPr/>
+          </a:p>
+        </p:txBody>
+      </p:sp>
+    </p:spTree>
+  </p:cSld>
+  <p:clrMapOvr>
+    <a:masterClrMapping/>
+  </p:clrMapOvr>
+</p:sld>
+</file>
+
+<file path=ppt/slides/slide14.xml><?xml version="1.0" encoding="utf-8"?>
+<p:sld xmlns:a="http://schemas.openxmlformats.org/drawingml/2006/main" xmlns:r="http://schemas.openxmlformats.org/officeDocument/2006/relationships" xmlns:mc="http://schemas.openxmlformats.org/markup-compatibility/2006" xmlns:mv="urn:schemas-microsoft-com:mac:vml" xmlns:p="http://schemas.openxmlformats.org/presentationml/2006/main" xmlns:c="http://schemas.openxmlformats.org/drawingml/2006/chart" xmlns:dgm="http://schemas.openxmlformats.org/drawingml/2006/diagram" xmlns:o="urn:schemas-microsoft-com:office:office" xmlns:v="urn:schemas-microsoft-com:vml" xmlns:pvml="urn:schemas-microsoft-com:office:powerpoint" xmlns:com="http://schemas.openxmlformats.org/drawingml/2006/compatibility" xmlns:p14="http://schemas.microsoft.com/office/powerpoint/2010/main" xmlns:p15="http://schemas.microsoft.com/office/powerpoint/2012/main" xmlns:ahyp="http://schemas.microsoft.com/office/drawing/2018/hyperlinkcolor">
+  <p:cSld>
+    <p:spTree>
+      <p:nvGrpSpPr>
+        <p:cNvPr id="212" name="Shape 212"/>
+        <p:cNvGrpSpPr/>
+        <p:nvPr/>
+      </p:nvGrpSpPr>
+      <p:grpSpPr>
+        <a:xfrm>
+          <a:off x="0" y="0"/>
+          <a:ext cx="0" cy="0"/>
+          <a:chOff x="0" y="0"/>
+          <a:chExt cx="0" cy="0"/>
+        </a:xfrm>
+      </p:grpSpPr>
+      <p:sp>
+        <p:nvSpPr>
+          <p:cNvPr id="213" name="Google Shape;213;p26"/>
+          <p:cNvSpPr txBox="1"/>
+          <p:nvPr>
+            <p:ph type="title"/>
+          </p:nvPr>
+        </p:nvSpPr>
+        <p:spPr>
+          <a:xfrm>
+            <a:off x="1297500" y="393750"/>
+            <a:ext cx="7038900" cy="914100"/>
+          </a:xfrm>
+          <a:prstGeom prst="rect">
+            <a:avLst/>
+          </a:prstGeom>
+        </p:spPr>
+        <p:txBody>
+          <a:bodyPr anchorCtr="0" anchor="t" bIns="91425" lIns="91425" spcFirstLastPara="1" rIns="91425" wrap="square" tIns="91425">
+            <a:normAutofit/>
+          </a:bodyPr>
+          <a:lstStyle/>
+          <a:p>
+            <a:pPr indent="0" lvl="0" marL="0" rtl="0" algn="l">
+              <a:spcBef>
+                <a:spcPts val="0"/>
+              </a:spcBef>
+              <a:spcAft>
+                <a:spcPts val="0"/>
+              </a:spcAft>
+              <a:buNone/>
+            </a:pPr>
+            <a:r>
+              <a:rPr lang="en-GB"/>
+              <a:t>Member Contribution</a:t>
+            </a:r>
+            <a:endParaRPr/>
+          </a:p>
+        </p:txBody>
+      </p:sp>
+      <p:sp>
+        <p:nvSpPr>
+          <p:cNvPr id="214" name="Google Shape;214;p26"/>
+          <p:cNvSpPr txBox="1"/>
+          <p:nvPr>
+            <p:ph idx="1" type="body"/>
+          </p:nvPr>
+        </p:nvSpPr>
+        <p:spPr>
+          <a:xfrm>
+            <a:off x="1297500" y="1567550"/>
+            <a:ext cx="7038900" cy="2911200"/>
+          </a:xfrm>
+          <a:prstGeom prst="rect">
+            <a:avLst/>
+          </a:prstGeom>
+        </p:spPr>
+        <p:txBody>
+          <a:bodyPr anchorCtr="0" anchor="t" bIns="91425" lIns="91425" spcFirstLastPara="1" rIns="91425" wrap="square" tIns="91425">
+            <a:normAutofit/>
+          </a:bodyPr>
+          <a:lstStyle/>
+          <a:p>
+            <a:pPr indent="-298450" lvl="0" marL="457200" rtl="0" algn="l">
+              <a:spcBef>
+                <a:spcPts val="0"/>
+              </a:spcBef>
+              <a:spcAft>
+                <a:spcPts val="0"/>
+              </a:spcAft>
+              <a:buSzPts val="1100"/>
+              <a:buChar char="●"/>
+            </a:pPr>
+            <a:r>
+              <a:rPr lang="en-GB" sz="1100"/>
+              <a:t>Arpita Singh - Client</a:t>
+            </a:r>
+            <a:endParaRPr sz="1100"/>
+          </a:p>
+          <a:p>
+            <a:pPr indent="-298450" lvl="0" marL="457200" rtl="0" algn="l">
+              <a:spcBef>
+                <a:spcPts val="0"/>
+              </a:spcBef>
+              <a:spcAft>
+                <a:spcPts val="0"/>
+              </a:spcAft>
+              <a:buSzPts val="1100"/>
+              <a:buChar char="●"/>
+            </a:pPr>
+            <a:r>
+              <a:rPr lang="en-GB" sz="1100"/>
+              <a:t>Alok Kumar - Path Finding, Deployment</a:t>
+            </a:r>
+            <a:endParaRPr sz="1100"/>
+          </a:p>
+          <a:p>
+            <a:pPr indent="-298450" lvl="0" marL="457200" rtl="0" algn="l">
+              <a:spcBef>
+                <a:spcPts val="0"/>
+              </a:spcBef>
+              <a:spcAft>
+                <a:spcPts val="0"/>
+              </a:spcAft>
+              <a:buSzPts val="1100"/>
+              <a:buChar char="●"/>
+            </a:pPr>
+            <a:r>
+              <a:rPr lang="en-GB" sz="1100"/>
+              <a:t>Juie Jitendra Darwade - Map Generation </a:t>
+            </a:r>
+            <a:endParaRPr sz="1100"/>
+          </a:p>
+          <a:p>
+            <a:pPr indent="-298450" lvl="0" marL="457200" rtl="0" algn="l">
+              <a:spcBef>
+                <a:spcPts val="0"/>
+              </a:spcBef>
+              <a:spcAft>
+                <a:spcPts val="0"/>
+              </a:spcAft>
+              <a:buSzPts val="1100"/>
+              <a:buChar char="●"/>
+            </a:pPr>
+            <a:r>
+              <a:rPr lang="en-GB" sz="1100"/>
+              <a:t>Veda Sree Bojanapally - Backend Server and Integration</a:t>
+            </a:r>
+            <a:endParaRPr sz="1100"/>
+          </a:p>
+          <a:p>
+            <a:pPr indent="-298450" lvl="0" marL="457200" rtl="0" algn="l">
+              <a:spcBef>
+                <a:spcPts val="0"/>
+              </a:spcBef>
+              <a:spcAft>
+                <a:spcPts val="0"/>
+              </a:spcAft>
+              <a:buSzPts val="1100"/>
+              <a:buChar char="●"/>
+            </a:pPr>
+            <a:r>
+              <a:rPr lang="en-GB" sz="1100"/>
+              <a:t>Everyone - Testing, Evaluation , Presentation, Video and Documentation</a:t>
+            </a:r>
+            <a:endParaRPr sz="1100"/>
+          </a:p>
+          <a:p>
+            <a:pPr indent="0" lvl="0" marL="0" rtl="0" algn="l">
+              <a:spcBef>
+                <a:spcPts val="1200"/>
+              </a:spcBef>
+              <a:spcAft>
+                <a:spcPts val="1200"/>
+              </a:spcAft>
+              <a:buNone/>
+            </a:pPr>
+            <a:r>
+              <a:t/>
+            </a:r>
+            <a:endParaRPr/>
+          </a:p>
+        </p:txBody>
+      </p:sp>
+    </p:spTree>
+  </p:cSld>
+  <p:clrMapOvr>
+    <a:masterClrMapping/>
+  </p:clrMapOvr>
+</p:sld>
+</file>
+
+<file path=ppt/slides/slide15.xml><?xml version="1.0" encoding="utf-8"?>
+<p:sld xmlns:a="http://schemas.openxmlformats.org/drawingml/2006/main" xmlns:r="http://schemas.openxmlformats.org/officeDocument/2006/relationships" xmlns:mc="http://schemas.openxmlformats.org/markup-compatibility/2006" xmlns:mv="urn:schemas-microsoft-com:mac:vml" xmlns:p="http://schemas.openxmlformats.org/presentationml/2006/main" xmlns:c="http://schemas.openxmlformats.org/drawingml/2006/chart" xmlns:dgm="http://schemas.openxmlformats.org/drawingml/2006/diagram" xmlns:o="urn:schemas-microsoft-com:office:office" xmlns:v="urn:schemas-microsoft-com:vml" xmlns:pvml="urn:schemas-microsoft-com:office:powerpoint" xmlns:com="http://schemas.openxmlformats.org/drawingml/2006/compatibility" xmlns:p14="http://schemas.microsoft.com/office/powerpoint/2010/main" xmlns:p15="http://schemas.microsoft.com/office/powerpoint/2012/main" xmlns:ahyp="http://schemas.microsoft.com/office/drawing/2018/hyperlinkcolor">
+  <p:cSld>
+    <p:spTree>
+      <p:nvGrpSpPr>
+        <p:cNvPr id="218" name="Shape 218"/>
+        <p:cNvGrpSpPr/>
+        <p:nvPr/>
+      </p:nvGrpSpPr>
+      <p:grpSpPr>
+        <a:xfrm>
+          <a:off x="0" y="0"/>
+          <a:ext cx="0" cy="0"/>
+          <a:chOff x="0" y="0"/>
+          <a:chExt cx="0" cy="0"/>
+        </a:xfrm>
+      </p:grpSpPr>
+      <p:sp>
+        <p:nvSpPr>
+          <p:cNvPr id="219" name="Google Shape;219;p27"/>
           <p:cNvSpPr txBox="1"/>
           <p:nvPr>
             <p:ph type="title"/>
@@ -11400,7 +12432,7 @@
         </p:blipFill>
         <p:spPr>
           <a:xfrm>
-            <a:off x="1453150" y="1060225"/>
+            <a:off x="1611775" y="1116875"/>
             <a:ext cx="5320401" cy="3725850"/>
           </a:xfrm>
           <a:prstGeom prst="rect">
@@ -11505,18 +12537,18 @@
         </p:spPr>
         <p:txBody>
           <a:bodyPr anchorCtr="0" anchor="t" bIns="91425" lIns="91425" spcFirstLastPara="1" rIns="91425" wrap="square" tIns="91425">
-            <a:normAutofit fontScale="85000" lnSpcReduction="20000"/>
+            <a:normAutofit/>
           </a:bodyPr>
           <a:lstStyle/>
           <a:p>
-            <a:pPr indent="-298767" lvl="0" marL="457200" rtl="0" algn="just">
-              <a:spcBef>
-                <a:spcPts val="0"/>
-              </a:spcBef>
-              <a:spcAft>
-                <a:spcPts val="0"/>
-              </a:spcAft>
-              <a:buSzPct val="100000"/>
+            <a:pPr indent="-311150" lvl="0" marL="457200" rtl="0" algn="just">
+              <a:spcBef>
+                <a:spcPts val="0"/>
+              </a:spcBef>
+              <a:spcAft>
+                <a:spcPts val="0"/>
+              </a:spcAft>
+              <a:buSzPts val="1300"/>
               <a:buChar char="●"/>
             </a:pPr>
             <a:r>
@@ -11525,102 +12557,43 @@
             </a:r>
             <a:r>
               <a:rPr lang="en-GB"/>
-              <a:t> - Our client is written in Javascript, HTML and CSS.  It is responsible for taking input from user in a form and sending the form data to the server. It also receives response from the server , renders a map and plots the route </a:t>
-            </a:r>
-            <a:r>
-              <a:rPr lang="en-GB"/>
-              <a:t>received</a:t>
-            </a:r>
-            <a:r>
-              <a:rPr lang="en-GB"/>
-              <a:t> from the server on the map. </a:t>
+              <a:t> - Our client is responsible for taking input from user in a form and sending the form data to the server. It renders a map and plots the route received from the server on the map. </a:t>
             </a:r>
             <a:endParaRPr/>
           </a:p>
           <a:p>
-            <a:pPr indent="-298767" lvl="0" marL="457200" rtl="0" algn="just">
-              <a:spcBef>
-                <a:spcPts val="0"/>
-              </a:spcBef>
-              <a:spcAft>
-                <a:spcPts val="0"/>
-              </a:spcAft>
-              <a:buSzPct val="100000"/>
-              <a:buChar char="●"/>
+            <a:pPr indent="0" lvl="0" marL="457200" rtl="0" algn="just">
+              <a:spcBef>
+                <a:spcPts val="1200"/>
+              </a:spcBef>
+              <a:spcAft>
+                <a:spcPts val="0"/>
+              </a:spcAft>
+              <a:buNone/>
             </a:pPr>
             <a:r>
-              <a:rPr b="1" lang="en-GB"/>
-              <a:t>Backend Server</a:t>
-            </a:r>
-            <a:r>
-              <a:rPr lang="en-GB"/>
-              <a:t> - Our backend server is developed in Flask. It receives input from the client and calls map generator to generate map for the specified city and state. It then calls pathfinder module to generate the most optimized route for the given user input. The </a:t>
-            </a:r>
-            <a:r>
-              <a:rPr lang="en-GB"/>
-              <a:t>generated</a:t>
-            </a:r>
-            <a:r>
-              <a:rPr lang="en-GB"/>
-              <a:t> map and optimized route along with elevation gain info is then sent back to client for frontend rendering.</a:t>
+              <a:t/>
             </a:r>
             <a:endParaRPr/>
           </a:p>
           <a:p>
-            <a:pPr indent="-298767" lvl="0" marL="457200" rtl="0" algn="just">
-              <a:spcBef>
-                <a:spcPts val="0"/>
-              </a:spcBef>
-              <a:spcAft>
-                <a:spcPts val="0"/>
-              </a:spcAft>
-              <a:buSzPct val="100000"/>
+            <a:pPr indent="-311150" lvl="0" marL="457200" rtl="0" algn="just">
+              <a:spcBef>
+                <a:spcPts val="1200"/>
+              </a:spcBef>
+              <a:spcAft>
+                <a:spcPts val="0"/>
+              </a:spcAft>
+              <a:buSzPts val="1300"/>
               <a:buChar char="●"/>
             </a:pPr>
             <a:r>
               <a:rPr b="1" lang="en-GB"/>
-              <a:t>Map Generator</a:t>
+              <a:t>Backend Server</a:t>
             </a:r>
             <a:r>
               <a:rPr lang="en-GB"/>
-              <a:t> - </a:t>
-            </a:r>
-            <a:r>
-              <a:rPr lang="en-GB"/>
-              <a:t>Map generator module is responsible for fetching latitude and longitude for source and destination using Geocoding API from Google Maps Platform and generating map of input city and state using OSMnx library. Osmnx provides a method which attaches elevation data to each node of the generated graph using </a:t>
-            </a:r>
-            <a:r>
-              <a:rPr lang="en-GB"/>
-              <a:t>Open-elevation API </a:t>
-            </a:r>
-            <a:r>
-              <a:rPr lang="en-GB"/>
-              <a:t>. We have also introduced a cache that caches any newly generated maps to avoid redundant calls to the API.</a:t>
-            </a:r>
-            <a:endParaRPr/>
-          </a:p>
-          <a:p>
-            <a:pPr indent="-298767" lvl="0" marL="457200" rtl="0" algn="just">
-              <a:spcBef>
-                <a:spcPts val="0"/>
-              </a:spcBef>
-              <a:spcAft>
-                <a:spcPts val="0"/>
-              </a:spcAft>
-              <a:buSzPct val="100000"/>
-              <a:buChar char="●"/>
-            </a:pPr>
-            <a:r>
-              <a:rPr b="1" lang="en-GB"/>
-              <a:t>PathFinder </a:t>
-            </a:r>
-            <a:r>
-              <a:rPr lang="en-GB"/>
-              <a:t>- </a:t>
-            </a:r>
-            <a:r>
-              <a:rPr lang="en-GB"/>
-              <a:t>PathFinder module is responsible for finding an optimized path for a given user input. The optimized path is found through a 2 step process. The path elevation based route using 2 algorithms - Dijkstra’s and A*. The module’s algorithm picker analyzes the output of both the algorithms and choses the one which is most aligned with the user’s preferences.</a:t>
+              <a:t> - Backend receives input from the client and calls map generator to generate map for the specified city and state. It then calls pathfinder module to generate the most optimized route for the given user input. The generated map and optimized route along with elevation gain info is sent back to client for frontend rendering.</a:t>
             </a:r>
             <a:endParaRPr/>
           </a:p>
@@ -11685,6 +12658,161 @@
             </a:pPr>
             <a:r>
               <a:rPr lang="en-GB"/>
+              <a:t>The Design</a:t>
+            </a:r>
+            <a:endParaRPr/>
+          </a:p>
+        </p:txBody>
+      </p:sp>
+      <p:sp>
+        <p:nvSpPr>
+          <p:cNvPr id="171" name="Google Shape;171;p19"/>
+          <p:cNvSpPr txBox="1"/>
+          <p:nvPr>
+            <p:ph idx="1" type="body"/>
+          </p:nvPr>
+        </p:nvSpPr>
+        <p:spPr>
+          <a:xfrm>
+            <a:off x="1297500" y="1383600"/>
+            <a:ext cx="7038900" cy="2911200"/>
+          </a:xfrm>
+          <a:prstGeom prst="rect">
+            <a:avLst/>
+          </a:prstGeom>
+          <a:ln cap="flat" cmpd="sng" w="9525">
+            <a:solidFill>
+              <a:schemeClr val="lt1"/>
+            </a:solidFill>
+            <a:prstDash val="solid"/>
+            <a:round/>
+            <a:headEnd len="sm" w="sm" type="none"/>
+            <a:tailEnd len="sm" w="sm" type="none"/>
+          </a:ln>
+        </p:spPr>
+        <p:txBody>
+          <a:bodyPr anchorCtr="0" anchor="t" bIns="91425" lIns="91425" spcFirstLastPara="1" rIns="91425" wrap="square" tIns="91425">
+            <a:normAutofit/>
+          </a:bodyPr>
+          <a:lstStyle/>
+          <a:p>
+            <a:pPr indent="-311150" lvl="0" marL="457200" rtl="0" algn="just">
+              <a:spcBef>
+                <a:spcPts val="0"/>
+              </a:spcBef>
+              <a:spcAft>
+                <a:spcPts val="0"/>
+              </a:spcAft>
+              <a:buSzPts val="1300"/>
+              <a:buChar char="●"/>
+            </a:pPr>
+            <a:r>
+              <a:rPr b="1" lang="en-GB"/>
+              <a:t>Map Generator</a:t>
+            </a:r>
+            <a:r>
+              <a:rPr lang="en-GB"/>
+              <a:t> - Map generator module is responsible for fetching latitude and longitude for source and destination using Geocoding API from Google Maps Platform and generating map of input city and state. We have also introduced a cache that caches any newly generated maps to avoid redundant calls to the API.</a:t>
+            </a:r>
+            <a:endParaRPr/>
+          </a:p>
+          <a:p>
+            <a:pPr indent="0" lvl="0" marL="457200" rtl="0" algn="just">
+              <a:spcBef>
+                <a:spcPts val="1200"/>
+              </a:spcBef>
+              <a:spcAft>
+                <a:spcPts val="0"/>
+              </a:spcAft>
+              <a:buNone/>
+            </a:pPr>
+            <a:r>
+              <a:t/>
+            </a:r>
+            <a:endParaRPr/>
+          </a:p>
+          <a:p>
+            <a:pPr indent="-311150" lvl="0" marL="457200" rtl="0" algn="just">
+              <a:spcBef>
+                <a:spcPts val="1200"/>
+              </a:spcBef>
+              <a:spcAft>
+                <a:spcPts val="0"/>
+              </a:spcAft>
+              <a:buSzPts val="1300"/>
+              <a:buChar char="●"/>
+            </a:pPr>
+            <a:r>
+              <a:rPr b="1" lang="en-GB"/>
+              <a:t>PathFinder </a:t>
+            </a:r>
+            <a:r>
+              <a:rPr lang="en-GB"/>
+              <a:t>- PathFinder module is responsible for finding an optimized path for a given user input. The path elevation based route using 2 algorithms - Dijkstra’s and A*. The module’s algorithm picker analyzes the output of both the algorithms and choses the one which is most aligned with the user’s preferences.</a:t>
+            </a:r>
+            <a:endParaRPr/>
+          </a:p>
+        </p:txBody>
+      </p:sp>
+    </p:spTree>
+  </p:cSld>
+  <p:clrMapOvr>
+    <a:masterClrMapping/>
+  </p:clrMapOvr>
+</p:sld>
+</file>
+
+<file path=ppt/slides/slide8.xml><?xml version="1.0" encoding="utf-8"?>
+<p:sld xmlns:a="http://schemas.openxmlformats.org/drawingml/2006/main" xmlns:r="http://schemas.openxmlformats.org/officeDocument/2006/relationships" xmlns:mc="http://schemas.openxmlformats.org/markup-compatibility/2006" xmlns:mv="urn:schemas-microsoft-com:mac:vml" xmlns:p="http://schemas.openxmlformats.org/presentationml/2006/main" xmlns:c="http://schemas.openxmlformats.org/drawingml/2006/chart" xmlns:dgm="http://schemas.openxmlformats.org/drawingml/2006/diagram" xmlns:o="urn:schemas-microsoft-com:office:office" xmlns:v="urn:schemas-microsoft-com:vml" xmlns:pvml="urn:schemas-microsoft-com:office:powerpoint" xmlns:com="http://schemas.openxmlformats.org/drawingml/2006/compatibility" xmlns:p14="http://schemas.microsoft.com/office/powerpoint/2010/main" xmlns:p15="http://schemas.microsoft.com/office/powerpoint/2012/main" xmlns:ahyp="http://schemas.microsoft.com/office/drawing/2018/hyperlinkcolor">
+  <p:cSld>
+    <p:spTree>
+      <p:nvGrpSpPr>
+        <p:cNvPr id="175" name="Shape 175"/>
+        <p:cNvGrpSpPr/>
+        <p:nvPr/>
+      </p:nvGrpSpPr>
+      <p:grpSpPr>
+        <a:xfrm>
+          <a:off x="0" y="0"/>
+          <a:ext cx="0" cy="0"/>
+          <a:chOff x="0" y="0"/>
+          <a:chExt cx="0" cy="0"/>
+        </a:xfrm>
+      </p:grpSpPr>
+      <p:sp>
+        <p:nvSpPr>
+          <p:cNvPr id="176" name="Google Shape;176;p20"/>
+          <p:cNvSpPr txBox="1"/>
+          <p:nvPr>
+            <p:ph type="title"/>
+          </p:nvPr>
+        </p:nvSpPr>
+        <p:spPr>
+          <a:xfrm>
+            <a:off x="1297500" y="393750"/>
+            <a:ext cx="7038900" cy="914100"/>
+          </a:xfrm>
+          <a:prstGeom prst="rect">
+            <a:avLst/>
+          </a:prstGeom>
+        </p:spPr>
+        <p:txBody>
+          <a:bodyPr anchorCtr="0" anchor="t" bIns="91425" lIns="91425" spcFirstLastPara="1" rIns="91425" wrap="square" tIns="91425">
+            <a:normAutofit/>
+          </a:bodyPr>
+          <a:lstStyle/>
+          <a:p>
+            <a:pPr indent="0" lvl="0" marL="0" rtl="0" algn="l">
+              <a:spcBef>
+                <a:spcPts val="0"/>
+              </a:spcBef>
+              <a:spcAft>
+                <a:spcPts val="0"/>
+              </a:spcAft>
+              <a:buNone/>
+            </a:pPr>
+            <a:r>
+              <a:rPr lang="en-GB"/>
               <a:t>UI</a:t>
             </a:r>
             <a:r>
@@ -11697,7 +12825,7 @@
       </p:sp>
       <p:pic>
         <p:nvPicPr>
-          <p:cNvPr id="171" name="Google Shape;171;p19"/>
+          <p:cNvPr id="177" name="Google Shape;177;p20"/>
           <p:cNvPicPr preferRelativeResize="0"/>
           <p:nvPr/>
         </p:nvPicPr>
@@ -11725,7 +12853,7 @@
       </p:pic>
       <p:pic>
         <p:nvPicPr>
-          <p:cNvPr id="172" name="Google Shape;172;p19"/>
+          <p:cNvPr id="178" name="Google Shape;178;p20"/>
           <p:cNvPicPr preferRelativeResize="0"/>
           <p:nvPr/>
         </p:nvPicPr>
@@ -11751,188 +12879,6 @@
           </a:ln>
         </p:spPr>
       </p:pic>
-    </p:spTree>
-  </p:cSld>
-  <p:clrMapOvr>
-    <a:masterClrMapping/>
-  </p:clrMapOvr>
-</p:sld>
-</file>
-
-<file path=ppt/slides/slide8.xml><?xml version="1.0" encoding="utf-8"?>
-<p:sld xmlns:a="http://schemas.openxmlformats.org/drawingml/2006/main" xmlns:r="http://schemas.openxmlformats.org/officeDocument/2006/relationships" xmlns:mc="http://schemas.openxmlformats.org/markup-compatibility/2006" xmlns:mv="urn:schemas-microsoft-com:mac:vml" xmlns:p="http://schemas.openxmlformats.org/presentationml/2006/main" xmlns:c="http://schemas.openxmlformats.org/drawingml/2006/chart" xmlns:dgm="http://schemas.openxmlformats.org/drawingml/2006/diagram" xmlns:o="urn:schemas-microsoft-com:office:office" xmlns:v="urn:schemas-microsoft-com:vml" xmlns:pvml="urn:schemas-microsoft-com:office:powerpoint" xmlns:com="http://schemas.openxmlformats.org/drawingml/2006/compatibility" xmlns:p14="http://schemas.microsoft.com/office/powerpoint/2010/main" xmlns:p15="http://schemas.microsoft.com/office/powerpoint/2012/main" xmlns:ahyp="http://schemas.microsoft.com/office/drawing/2018/hyperlinkcolor">
-  <p:cSld>
-    <p:spTree>
-      <p:nvGrpSpPr>
-        <p:cNvPr id="176" name="Shape 176"/>
-        <p:cNvGrpSpPr/>
-        <p:nvPr/>
-      </p:nvGrpSpPr>
-      <p:grpSpPr>
-        <a:xfrm>
-          <a:off x="0" y="0"/>
-          <a:ext cx="0" cy="0"/>
-          <a:chOff x="0" y="0"/>
-          <a:chExt cx="0" cy="0"/>
-        </a:xfrm>
-      </p:grpSpPr>
-      <p:sp>
-        <p:nvSpPr>
-          <p:cNvPr id="177" name="Google Shape;177;p20"/>
-          <p:cNvSpPr txBox="1"/>
-          <p:nvPr>
-            <p:ph type="title"/>
-          </p:nvPr>
-        </p:nvSpPr>
-        <p:spPr>
-          <a:xfrm>
-            <a:off x="1297500" y="393750"/>
-            <a:ext cx="7038900" cy="914100"/>
-          </a:xfrm>
-          <a:prstGeom prst="rect">
-            <a:avLst/>
-          </a:prstGeom>
-        </p:spPr>
-        <p:txBody>
-          <a:bodyPr anchorCtr="0" anchor="t" bIns="91425" lIns="91425" spcFirstLastPara="1" rIns="91425" wrap="square" tIns="91425">
-            <a:normAutofit/>
-          </a:bodyPr>
-          <a:lstStyle/>
-          <a:p>
-            <a:pPr indent="0" lvl="0" marL="0" rtl="0" algn="l">
-              <a:spcBef>
-                <a:spcPts val="0"/>
-              </a:spcBef>
-              <a:spcAft>
-                <a:spcPts val="0"/>
-              </a:spcAft>
-              <a:buNone/>
-            </a:pPr>
-            <a:r>
-              <a:rPr lang="en-GB"/>
-              <a:t>Tools and Methodologies</a:t>
-            </a:r>
-            <a:endParaRPr/>
-          </a:p>
-        </p:txBody>
-      </p:sp>
-      <p:sp>
-        <p:nvSpPr>
-          <p:cNvPr id="178" name="Google Shape;178;p20"/>
-          <p:cNvSpPr txBox="1"/>
-          <p:nvPr>
-            <p:ph idx="1" type="body"/>
-          </p:nvPr>
-        </p:nvSpPr>
-        <p:spPr>
-          <a:xfrm>
-            <a:off x="1262125" y="1397750"/>
-            <a:ext cx="7038900" cy="2911200"/>
-          </a:xfrm>
-          <a:prstGeom prst="rect">
-            <a:avLst/>
-          </a:prstGeom>
-        </p:spPr>
-        <p:txBody>
-          <a:bodyPr anchorCtr="0" anchor="t" bIns="91425" lIns="91425" spcFirstLastPara="1" rIns="91425" wrap="square" tIns="91425">
-            <a:normAutofit/>
-          </a:bodyPr>
-          <a:lstStyle/>
-          <a:p>
-            <a:pPr indent="-311150" lvl="0" marL="457200" rtl="0" algn="l">
-              <a:spcBef>
-                <a:spcPts val="0"/>
-              </a:spcBef>
-              <a:spcAft>
-                <a:spcPts val="0"/>
-              </a:spcAft>
-              <a:buSzPts val="1300"/>
-              <a:buChar char="●"/>
-            </a:pPr>
-            <a:r>
-              <a:rPr lang="en-GB"/>
-              <a:t>Backend - Python</a:t>
-            </a:r>
-            <a:endParaRPr/>
-          </a:p>
-          <a:p>
-            <a:pPr indent="-311150" lvl="0" marL="457200" rtl="0" algn="l">
-              <a:spcBef>
-                <a:spcPts val="0"/>
-              </a:spcBef>
-              <a:spcAft>
-                <a:spcPts val="0"/>
-              </a:spcAft>
-              <a:buSzPts val="1300"/>
-              <a:buChar char="●"/>
-            </a:pPr>
-            <a:r>
-              <a:rPr lang="en-GB"/>
-              <a:t>Algorithms - Dijkstra and A*</a:t>
-            </a:r>
-            <a:endParaRPr/>
-          </a:p>
-          <a:p>
-            <a:pPr indent="-311150" lvl="0" marL="457200" rtl="0" algn="l">
-              <a:spcBef>
-                <a:spcPts val="0"/>
-              </a:spcBef>
-              <a:spcAft>
-                <a:spcPts val="0"/>
-              </a:spcAft>
-              <a:buSzPts val="1300"/>
-              <a:buChar char="●"/>
-            </a:pPr>
-            <a:r>
-              <a:rPr lang="en-GB"/>
-              <a:t>Libraries and Frameworks - Flask, osmnx, </a:t>
-            </a:r>
-            <a:r>
-              <a:rPr lang="en-GB"/>
-              <a:t>Geocoding API from Google Maps Platform</a:t>
-            </a:r>
-            <a:r>
-              <a:rPr lang="en-GB"/>
-              <a:t>, Open Elevation API, Docker, Google Places API, Google Directions API</a:t>
-            </a:r>
-            <a:endParaRPr/>
-          </a:p>
-          <a:p>
-            <a:pPr indent="-311150" lvl="0" marL="457200" rtl="0" algn="l">
-              <a:spcBef>
-                <a:spcPts val="0"/>
-              </a:spcBef>
-              <a:spcAft>
-                <a:spcPts val="0"/>
-              </a:spcAft>
-              <a:buSzPts val="1300"/>
-              <a:buChar char="●"/>
-            </a:pPr>
-            <a:r>
-              <a:rPr lang="en-GB"/>
-              <a:t>Frontend - JavaScript, HTML, CSS</a:t>
-            </a:r>
-            <a:endParaRPr/>
-          </a:p>
-          <a:p>
-            <a:pPr indent="-311150" lvl="0" marL="457200" rtl="0" algn="l">
-              <a:spcBef>
-                <a:spcPts val="0"/>
-              </a:spcBef>
-              <a:spcAft>
-                <a:spcPts val="0"/>
-              </a:spcAft>
-              <a:buSzPts val="1300"/>
-              <a:buChar char="●"/>
-            </a:pPr>
-            <a:r>
-              <a:rPr lang="en-GB"/>
-              <a:t>Testing - pytest</a:t>
-            </a:r>
-            <a:endParaRPr/>
-          </a:p>
-        </p:txBody>
-      </p:sp>
     </p:spTree>
   </p:cSld>
   <p:clrMapOvr>
@@ -11968,7 +12914,7 @@
         </p:nvSpPr>
         <p:spPr>
           <a:xfrm>
-            <a:off x="1052550" y="407900"/>
+            <a:off x="1297500" y="393750"/>
             <a:ext cx="7038900" cy="914100"/>
           </a:xfrm>
           <a:prstGeom prst="rect">
@@ -11992,7 +12938,7 @@
             </a:pPr>
             <a:r>
               <a:rPr lang="en-GB"/>
-              <a:t>Testing</a:t>
+              <a:t>Tools and Methodologies</a:t>
             </a:r>
             <a:endParaRPr/>
           </a:p>
@@ -12008,8 +12954,8 @@
         </p:nvSpPr>
         <p:spPr>
           <a:xfrm>
-            <a:off x="852175" y="1194650"/>
-            <a:ext cx="8214000" cy="3694200"/>
+            <a:off x="1262125" y="1397750"/>
+            <a:ext cx="7038900" cy="2911200"/>
           </a:xfrm>
           <a:prstGeom prst="rect">
             <a:avLst/>
@@ -12017,7 +12963,7 @@
         </p:spPr>
         <p:txBody>
           <a:bodyPr anchorCtr="0" anchor="t" bIns="91425" lIns="91425" spcFirstLastPara="1" rIns="91425" wrap="square" tIns="91425">
-            <a:normAutofit lnSpcReduction="20000"/>
+            <a:normAutofit/>
           </a:bodyPr>
           <a:lstStyle/>
           <a:p>
@@ -12033,100 +12979,7 @@
             </a:pPr>
             <a:r>
               <a:rPr lang="en-GB"/>
-              <a:t>Unit testing : </a:t>
-            </a:r>
-            <a:endParaRPr/>
-          </a:p>
-          <a:p>
-            <a:pPr indent="-298450" lvl="1" marL="914400" rtl="0" algn="l">
-              <a:spcBef>
-                <a:spcPts val="0"/>
-              </a:spcBef>
-              <a:spcAft>
-                <a:spcPts val="0"/>
-              </a:spcAft>
-              <a:buSzPts val="1100"/>
-              <a:buChar char="○"/>
-            </a:pPr>
-            <a:r>
-              <a:rPr lang="en-GB"/>
-              <a:t>Test edge cases </a:t>
-            </a:r>
-            <a:endParaRPr/>
-          </a:p>
-          <a:p>
-            <a:pPr indent="-298450" lvl="1" marL="914400" rtl="0" algn="l">
-              <a:spcBef>
-                <a:spcPts val="0"/>
-              </a:spcBef>
-              <a:spcAft>
-                <a:spcPts val="0"/>
-              </a:spcAft>
-              <a:buSzPts val="1100"/>
-              <a:buChar char="○"/>
-            </a:pPr>
-            <a:r>
-              <a:rPr lang="en-GB"/>
-              <a:t>Validation checks on different inputs.</a:t>
-            </a:r>
-            <a:endParaRPr/>
-          </a:p>
-          <a:p>
-            <a:pPr indent="-298450" lvl="1" marL="914400" rtl="0" algn="l">
-              <a:spcBef>
-                <a:spcPts val="0"/>
-              </a:spcBef>
-              <a:spcAft>
-                <a:spcPts val="0"/>
-              </a:spcAft>
-              <a:buSzPts val="1100"/>
-              <a:buChar char="○"/>
-            </a:pPr>
-            <a:r>
-              <a:rPr lang="en-GB"/>
-              <a:t>Tested PathFinder,  MapProcessor  and helper module individually.</a:t>
-            </a:r>
-            <a:endParaRPr/>
-          </a:p>
-          <a:p>
-            <a:pPr indent="-298450" lvl="1" marL="914400" rtl="0" algn="l">
-              <a:spcBef>
-                <a:spcPts val="0"/>
-              </a:spcBef>
-              <a:spcAft>
-                <a:spcPts val="0"/>
-              </a:spcAft>
-              <a:buSzPts val="1100"/>
-              <a:buChar char="○"/>
-            </a:pPr>
-            <a:r>
-              <a:rPr lang="en-GB"/>
-              <a:t>We have used PyTest as our testing tool </a:t>
-            </a:r>
-            <a:endParaRPr/>
-          </a:p>
-          <a:p>
-            <a:pPr indent="-298450" lvl="1" marL="914400" rtl="0" algn="l">
-              <a:spcBef>
-                <a:spcPts val="0"/>
-              </a:spcBef>
-              <a:spcAft>
-                <a:spcPts val="0"/>
-              </a:spcAft>
-              <a:buSzPts val="1100"/>
-              <a:buChar char="○"/>
-            </a:pPr>
-            <a:r>
-              <a:rPr lang="en-GB"/>
-              <a:t>Python </a:t>
-            </a:r>
-            <a:r>
-              <a:rPr lang="en-GB"/>
-              <a:t>logger is used as logging </a:t>
-            </a:r>
-            <a:r>
-              <a:rPr lang="en-GB"/>
-              <a:t>module for our project.</a:t>
+              <a:t>Backend - Python</a:t>
             </a:r>
             <a:endParaRPr/>
           </a:p>
@@ -12143,57 +12996,7 @@
             </a:pPr>
             <a:r>
               <a:rPr lang="en-GB"/>
-              <a:t>Manual Testing:</a:t>
-            </a:r>
-            <a:endParaRPr/>
-          </a:p>
-          <a:p>
-            <a:pPr indent="-298450" lvl="1" marL="914400" rtl="0" algn="l">
-              <a:spcBef>
-                <a:spcPts val="0"/>
-              </a:spcBef>
-              <a:spcAft>
-                <a:spcPts val="0"/>
-              </a:spcAft>
-              <a:buSzPts val="1100"/>
-              <a:buChar char="○"/>
-            </a:pPr>
-            <a:r>
-              <a:rPr lang="en-GB"/>
-              <a:t>We tested our server using Postman using different locations and </a:t>
-            </a:r>
-            <a:r>
-              <a:rPr lang="en-GB"/>
-              <a:t>scenarios</a:t>
-            </a:r>
-            <a:r>
-              <a:rPr lang="en-GB"/>
-              <a:t>.</a:t>
-            </a:r>
-            <a:endParaRPr/>
-          </a:p>
-          <a:p>
-            <a:pPr indent="-298450" lvl="1" marL="914400" rtl="0" algn="l">
-              <a:spcBef>
-                <a:spcPts val="0"/>
-              </a:spcBef>
-              <a:spcAft>
-                <a:spcPts val="0"/>
-              </a:spcAft>
-              <a:buSzPts val="1100"/>
-              <a:buChar char="○"/>
-            </a:pPr>
-            <a:r>
-              <a:rPr lang="en-GB"/>
-              <a:t>We tested </a:t>
-            </a:r>
-            <a:r>
-              <a:rPr lang="en-GB"/>
-              <a:t>edge</a:t>
-            </a:r>
-            <a:r>
-              <a:rPr lang="en-GB"/>
-              <a:t> cases and error situations manually as well.</a:t>
+              <a:t>Algorithms - Dijkstra and A*</a:t>
             </a:r>
             <a:endParaRPr/>
           </a:p>
@@ -12210,58 +13013,15 @@
             </a:pPr>
             <a:r>
               <a:rPr lang="en-GB"/>
-              <a:t>Integration test: </a:t>
-            </a:r>
-            <a:endParaRPr/>
-          </a:p>
-          <a:p>
-            <a:pPr indent="-298450" lvl="1" marL="914400" rtl="0" algn="l">
-              <a:spcBef>
-                <a:spcPts val="0"/>
-              </a:spcBef>
-              <a:spcAft>
-                <a:spcPts val="0"/>
-              </a:spcAft>
-              <a:buSzPts val="1100"/>
-              <a:buChar char="○"/>
-            </a:pPr>
+              <a:t>Libraries and Frameworks - Flask, osmnx, </a:t>
+            </a:r>
             <a:r>
               <a:rPr lang="en-GB"/>
-              <a:t>End-to-end testing for all components together</a:t>
-            </a:r>
-            <a:endParaRPr/>
-          </a:p>
-          <a:p>
-            <a:pPr indent="-298450" lvl="1" marL="914400" rtl="0" algn="l">
-              <a:spcBef>
-                <a:spcPts val="0"/>
-              </a:spcBef>
-              <a:spcAft>
-                <a:spcPts val="0"/>
-              </a:spcAft>
-              <a:buSzPts val="1100"/>
-              <a:buChar char="○"/>
-            </a:pPr>
+              <a:t>Geocoding API from Google Maps Platform</a:t>
+            </a:r>
             <a:r>
               <a:rPr lang="en-GB"/>
-              <a:t>Testing frontend and backend together with different scenarios and edge cases.</a:t>
-            </a:r>
-            <a:endParaRPr/>
-          </a:p>
-          <a:p>
-            <a:pPr indent="-298450" lvl="1" marL="914400" rtl="0" algn="l">
-              <a:spcBef>
-                <a:spcPts val="0"/>
-              </a:spcBef>
-              <a:spcAft>
-                <a:spcPts val="0"/>
-              </a:spcAft>
-              <a:buSzPts val="1100"/>
-              <a:buChar char="○"/>
-            </a:pPr>
-            <a:r>
-              <a:rPr lang="en-GB"/>
-              <a:t>We are using integration test suite runner of Postman to run our integration tests.</a:t>
+              <a:t>, Open Elevation API, Docker, Google Places API, Google Directions API</a:t>
             </a:r>
             <a:endParaRPr/>
           </a:p>
@@ -12278,66 +13038,7 @@
             </a:pPr>
             <a:r>
               <a:rPr lang="en-GB"/>
-              <a:t>Edge Case </a:t>
-            </a:r>
-            <a:r>
-              <a:rPr lang="en-GB"/>
-              <a:t>Evaluation/Error Situations</a:t>
-            </a:r>
-            <a:r>
-              <a:rPr lang="en-GB"/>
-              <a:t>:</a:t>
-            </a:r>
-            <a:endParaRPr/>
-          </a:p>
-          <a:p>
-            <a:pPr indent="-298450" lvl="1" marL="914400" rtl="0" algn="l">
-              <a:spcBef>
-                <a:spcPts val="0"/>
-              </a:spcBef>
-              <a:spcAft>
-                <a:spcPts val="0"/>
-              </a:spcAft>
-              <a:buSzPts val="1100"/>
-              <a:buChar char="○"/>
-            </a:pPr>
-            <a:r>
-              <a:rPr lang="en-GB"/>
-              <a:t>Our map will only support sources and destinations lying within the same state.</a:t>
-            </a:r>
-            <a:endParaRPr/>
-          </a:p>
-          <a:p>
-            <a:pPr indent="-298450" lvl="1" marL="914400" rtl="0" algn="l">
-              <a:spcBef>
-                <a:spcPts val="0"/>
-              </a:spcBef>
-              <a:spcAft>
-                <a:spcPts val="0"/>
-              </a:spcAft>
-              <a:buSzPts val="1100"/>
-              <a:buChar char="○"/>
-            </a:pPr>
-            <a:r>
-              <a:rPr lang="en-GB"/>
-              <a:t>Map Generation generates only map of the state entered.</a:t>
-            </a:r>
-            <a:endParaRPr/>
-          </a:p>
-          <a:p>
-            <a:pPr indent="-298450" lvl="1" marL="914400" rtl="0" algn="l">
-              <a:spcBef>
-                <a:spcPts val="0"/>
-              </a:spcBef>
-              <a:spcAft>
-                <a:spcPts val="0"/>
-              </a:spcAft>
-              <a:buSzPts val="1100"/>
-              <a:buChar char="○"/>
-            </a:pPr>
-            <a:r>
-              <a:rPr lang="en-GB"/>
-              <a:t>Our client does not send a server request in case of wrong field entries and shows error messages  appropriately.</a:t>
+              <a:t>Frontend - JavaScript, HTML, CSS</a:t>
             </a:r>
             <a:endParaRPr/>
           </a:p>
@@ -12354,24 +13055,7 @@
             </a:pPr>
             <a:r>
               <a:rPr lang="en-GB"/>
-              <a:t>UI testing:</a:t>
-            </a:r>
-            <a:endParaRPr/>
-          </a:p>
-          <a:p>
-            <a:pPr indent="-298450" lvl="1" marL="914400" rtl="0" algn="l">
-              <a:spcBef>
-                <a:spcPts val="0"/>
-              </a:spcBef>
-              <a:spcAft>
-                <a:spcPts val="0"/>
-              </a:spcAft>
-              <a:buSzPts val="1100"/>
-              <a:buChar char="○"/>
-            </a:pPr>
-            <a:r>
-              <a:rPr lang="en-GB"/>
-              <a:t>For UI testing, we made 2 frontends, and asked our peers to try our application and give feedback on the UI elements. We also asked them about our design choices and if they liked the way our UI looked. A friend of ours suggested the slider percentage changer which we changed after the feedback, it was a number field before. </a:t>
+              <a:t>Testing - pytest</a:t>
             </a:r>
             <a:endParaRPr/>
           </a:p>
